--- a/Projekt.pptx
+++ b/Projekt.pptx
@@ -5912,7 +5912,7 @@
           <a:p>
             <a:r>
               <a:rPr lang="hu-HU" sz="4800" dirty="0"/>
-              <a:t> feladat</a:t>
+              <a:t>feladat</a:t>
             </a:r>
           </a:p>
           <a:p>
@@ -7264,31 +7264,55 @@
           </a:p>
         </p:txBody>
       </p:sp>
-      <p:sp>
-        <p:nvSpPr>
-          <p:cNvPr id="3" name="Tartalom helye 2">
+      <p:pic>
+        <p:nvPicPr>
+          <p:cNvPr id="2050" name="Picture 2" descr="it biztonság - IT Support">
             <a:extLst>
               <a:ext uri="{FF2B5EF4-FFF2-40B4-BE49-F238E27FC236}">
-                <a16:creationId xmlns:a16="http://schemas.microsoft.com/office/drawing/2014/main" id="{AA619CA1-10A9-41C5-B962-6728F377F1F2}"/>
+                <a16:creationId xmlns:a16="http://schemas.microsoft.com/office/drawing/2014/main" id="{01916CB9-AE66-47A9-A97E-88BBA1E3C716}"/>
               </a:ext>
             </a:extLst>
           </p:cNvPr>
-          <p:cNvSpPr>
-            <a:spLocks noGrp="1"/>
-          </p:cNvSpPr>
+          <p:cNvPicPr>
+            <a:picLocks noGrp="1" noChangeAspect="1" noChangeArrowheads="1"/>
+          </p:cNvPicPr>
           <p:nvPr>
             <p:ph idx="1"/>
           </p:nvPr>
-        </p:nvSpPr>
-        <p:spPr/>
-        <p:txBody>
-          <a:bodyPr/>
-          <a:lstStyle/>
-          <a:p>
-            <a:endParaRPr lang="hu-HU" dirty="0"/>
-          </a:p>
-        </p:txBody>
-      </p:sp>
+        </p:nvPicPr>
+        <p:blipFill>
+          <a:blip r:embed="rId2">
+            <a:extLst>
+              <a:ext uri="{28A0092B-C50C-407E-A947-70E740481C1C}">
+                <a14:useLocalDpi xmlns:a14="http://schemas.microsoft.com/office/drawing/2010/main" val="0"/>
+              </a:ext>
+            </a:extLst>
+          </a:blip>
+          <a:srcRect/>
+          <a:stretch>
+            <a:fillRect/>
+          </a:stretch>
+        </p:blipFill>
+        <p:spPr bwMode="auto">
+          <a:xfrm>
+            <a:off x="1408882" y="1416843"/>
+            <a:ext cx="4024313" cy="4024313"/>
+          </a:xfrm>
+          <a:prstGeom prst="rect">
+            <a:avLst/>
+          </a:prstGeom>
+          <a:noFill/>
+          <a:extLst>
+            <a:ext uri="{909E8E84-426E-40DD-AFC4-6F175D3DCCD1}">
+              <a14:hiddenFill xmlns:a14="http://schemas.microsoft.com/office/drawing/2010/main">
+                <a:solidFill>
+                  <a:srgbClr val="FFFFFF"/>
+                </a:solidFill>
+              </a14:hiddenFill>
+            </a:ext>
+          </a:extLst>
+        </p:spPr>
+      </p:pic>
     </p:spTree>
     <p:extLst>
       <p:ext uri="{BB962C8B-B14F-4D97-AF65-F5344CB8AC3E}">

--- a/Projekt.pptx
+++ b/Projekt.pptx
@@ -5911,31 +5911,51 @@
           <a:lstStyle/>
           <a:p>
             <a:r>
-              <a:rPr lang="hu-HU" sz="4800" dirty="0"/>
+              <a:rPr lang="hu-HU" sz="4800" dirty="0">
+                <a:highlight>
+                  <a:srgbClr val="0000FF"/>
+                </a:highlight>
+              </a:rPr>
               <a:t>feladat</a:t>
             </a:r>
           </a:p>
           <a:p>
             <a:r>
-              <a:rPr lang="hu-HU" sz="4800" dirty="0"/>
+              <a:rPr lang="hu-HU" sz="4800" dirty="0">
+                <a:highlight>
+                  <a:srgbClr val="0000FF"/>
+                </a:highlight>
+              </a:rPr>
               <a:t>Érték</a:t>
             </a:r>
           </a:p>
           <a:p>
             <a:r>
-              <a:rPr lang="hu-HU" sz="4800" dirty="0"/>
+              <a:rPr lang="hu-HU" sz="4800" dirty="0">
+                <a:highlight>
+                  <a:srgbClr val="008080"/>
+                </a:highlight>
+              </a:rPr>
               <a:t>Minőség</a:t>
             </a:r>
           </a:p>
           <a:p>
             <a:r>
-              <a:rPr lang="hu-HU" sz="4800" dirty="0"/>
+              <a:rPr lang="hu-HU" sz="4800" dirty="0">
+                <a:highlight>
+                  <a:srgbClr val="008080"/>
+                </a:highlight>
+              </a:rPr>
               <a:t>Biztonság</a:t>
             </a:r>
           </a:p>
           <a:p>
             <a:r>
-              <a:rPr lang="hu-HU" sz="4800" dirty="0"/>
+              <a:rPr lang="hu-HU" sz="4800" dirty="0">
+                <a:highlight>
+                  <a:srgbClr val="0000FF"/>
+                </a:highlight>
+              </a:rPr>
               <a:t>strapabíróság</a:t>
             </a:r>
           </a:p>
@@ -6033,14 +6053,14 @@
             <p:ph idx="1"/>
             <p:extLst>
               <p:ext uri="{D42A27DB-BD31-4B8C-83A1-F6EECF244321}">
-                <p14:modId xmlns:p14="http://schemas.microsoft.com/office/powerpoint/2010/main" val="3706215975"/>
+                <p14:modId xmlns:p14="http://schemas.microsoft.com/office/powerpoint/2010/main" val="2008989728"/>
               </p:ext>
             </p:extLst>
           </p:nvPr>
         </p:nvGraphicFramePr>
         <p:xfrm>
           <a:off x="791570" y="2194561"/>
-          <a:ext cx="6510930" cy="3589554"/>
+          <a:ext cx="6510930" cy="3712194"/>
         </p:xfrm>
         <a:graphic>
           <a:graphicData uri="http://schemas.openxmlformats.org/drawingml/2006/table">
@@ -6055,7 +6075,7 @@
                   </a:extLst>
                 </a:gridCol>
               </a:tblGrid>
-              <a:tr h="276521">
+              <a:tr h="435060">
                 <a:tc>
                   <a:txBody>
                     <a:bodyPr/>
@@ -6068,6 +6088,9 @@
                             <a:schemeClr val="tx1"/>
                           </a:solidFill>
                           <a:effectLst/>
+                          <a:highlight>
+                            <a:srgbClr val="FF0000"/>
+                          </a:highlight>
                           <a:latin typeface="Calibri" panose="020F0502020204030204" pitchFamily="34" charset="0"/>
                         </a:rPr>
                         <a:t>eliteboard</a:t>
@@ -6078,6 +6101,9 @@
                             <a:schemeClr val="tx1"/>
                           </a:solidFill>
                           <a:effectLst/>
+                          <a:highlight>
+                            <a:srgbClr val="FF0000"/>
+                          </a:highlight>
                           <a:latin typeface="Calibri" panose="020F0502020204030204" pitchFamily="34" charset="0"/>
                         </a:rPr>
                         <a:t> dc82+10 touch inter. </a:t>
@@ -6088,6 +6114,9 @@
                             <a:schemeClr val="tx1"/>
                           </a:solidFill>
                           <a:effectLst/>
+                          <a:highlight>
+                            <a:srgbClr val="FF0000"/>
+                          </a:highlight>
                           <a:latin typeface="Calibri" panose="020F0502020204030204" pitchFamily="34" charset="0"/>
                         </a:rPr>
                         <a:t>Tábl</a:t>
@@ -6098,6 +6127,9 @@
                             <a:schemeClr val="tx1"/>
                           </a:solidFill>
                           <a:effectLst/>
+                          <a:highlight>
+                            <a:srgbClr val="FF0000"/>
+                          </a:highlight>
                           <a:latin typeface="Calibri" panose="020F0502020204030204" pitchFamily="34" charset="0"/>
                         </a:rPr>
                         <a:t>.</a:t>
@@ -6156,6 +6188,9 @@
                             <a:schemeClr val="tx1"/>
                           </a:solidFill>
                           <a:effectLst/>
+                          <a:highlight>
+                            <a:srgbClr val="800000"/>
+                          </a:highlight>
                           <a:latin typeface="Calibri" panose="020F0502020204030204" pitchFamily="34" charset="0"/>
                         </a:rPr>
                         <a:t>canon</a:t>
@@ -6166,6 +6201,9 @@
                             <a:schemeClr val="tx1"/>
                           </a:solidFill>
                           <a:effectLst/>
+                          <a:highlight>
+                            <a:srgbClr val="800000"/>
+                          </a:highlight>
                           <a:latin typeface="Calibri" panose="020F0502020204030204" pitchFamily="34" charset="0"/>
                         </a:rPr>
                         <a:t> </a:t>
@@ -6176,6 +6214,9 @@
                             <a:schemeClr val="tx1"/>
                           </a:solidFill>
                           <a:effectLst/>
+                          <a:highlight>
+                            <a:srgbClr val="800000"/>
+                          </a:highlight>
                           <a:latin typeface="Calibri" panose="020F0502020204030204" pitchFamily="34" charset="0"/>
                         </a:rPr>
                         <a:t>maxify</a:t>
@@ -6186,6 +6227,9 @@
                             <a:schemeClr val="tx1"/>
                           </a:solidFill>
                           <a:effectLst/>
+                          <a:highlight>
+                            <a:srgbClr val="800000"/>
+                          </a:highlight>
                           <a:latin typeface="Calibri" panose="020F0502020204030204" pitchFamily="34" charset="0"/>
                         </a:rPr>
                         <a:t> mb2150 színes nyomtató</a:t>
@@ -6250,6 +6294,9 @@
                             <a:schemeClr val="tx1"/>
                           </a:solidFill>
                           <a:effectLst/>
+                          <a:highlight>
+                            <a:srgbClr val="800000"/>
+                          </a:highlight>
                           <a:latin typeface="Calibri" panose="020F0502020204030204" pitchFamily="34" charset="0"/>
                         </a:rPr>
                         <a:t>cisco</a:t>
@@ -6260,6 +6307,9 @@
                             <a:schemeClr val="tx1"/>
                           </a:solidFill>
                           <a:effectLst/>
+                          <a:highlight>
+                            <a:srgbClr val="800000"/>
+                          </a:highlight>
                           <a:latin typeface="Calibri" panose="020F0502020204030204" pitchFamily="34" charset="0"/>
                         </a:rPr>
                         <a:t> </a:t>
@@ -6270,6 +6320,9 @@
                             <a:schemeClr val="tx1"/>
                           </a:solidFill>
                           <a:effectLst/>
+                          <a:highlight>
+                            <a:srgbClr val="800000"/>
+                          </a:highlight>
                           <a:latin typeface="Calibri" panose="020F0502020204030204" pitchFamily="34" charset="0"/>
                         </a:rPr>
                         <a:t>isr</a:t>
@@ -6280,6 +6333,9 @@
                             <a:schemeClr val="tx1"/>
                           </a:solidFill>
                           <a:effectLst/>
+                          <a:highlight>
+                            <a:srgbClr val="800000"/>
+                          </a:highlight>
                           <a:latin typeface="Calibri" panose="020F0502020204030204" pitchFamily="34" charset="0"/>
                         </a:rPr>
                         <a:t> 4331</a:t>
@@ -6344,6 +6400,9 @@
                             <a:schemeClr val="tx1"/>
                           </a:solidFill>
                           <a:effectLst/>
+                          <a:highlight>
+                            <a:srgbClr val="800000"/>
+                          </a:highlight>
                           <a:latin typeface="Calibri" panose="020F0502020204030204" pitchFamily="34" charset="0"/>
                         </a:rPr>
                         <a:t>cisco</a:t>
@@ -6354,6 +6413,9 @@
                             <a:schemeClr val="tx1"/>
                           </a:solidFill>
                           <a:effectLst/>
+                          <a:highlight>
+                            <a:srgbClr val="800000"/>
+                          </a:highlight>
                           <a:latin typeface="Calibri" panose="020F0502020204030204" pitchFamily="34" charset="0"/>
                         </a:rPr>
                         <a:t> ws-c2960x 24psq-l</a:t>
@@ -6418,6 +6480,9 @@
                             <a:schemeClr val="tx1"/>
                           </a:solidFill>
                           <a:effectLst/>
+                          <a:highlight>
+                            <a:srgbClr val="800000"/>
+                          </a:highlight>
                           <a:latin typeface="Calibri" panose="020F0502020204030204" pitchFamily="34" charset="0"/>
                         </a:rPr>
                         <a:t>cisco</a:t>
@@ -6428,6 +6493,9 @@
                             <a:schemeClr val="tx1"/>
                           </a:solidFill>
                           <a:effectLst/>
+                          <a:highlight>
+                            <a:srgbClr val="800000"/>
+                          </a:highlight>
                           <a:latin typeface="Calibri" panose="020F0502020204030204" pitchFamily="34" charset="0"/>
                         </a:rPr>
                         <a:t> c9300-48ub-a</a:t>
@@ -6492,6 +6560,9 @@
                             <a:schemeClr val="tx1"/>
                           </a:solidFill>
                           <a:effectLst/>
+                          <a:highlight>
+                            <a:srgbClr val="800000"/>
+                          </a:highlight>
                           <a:latin typeface="Calibri" panose="020F0502020204030204" pitchFamily="34" charset="0"/>
                         </a:rPr>
                         <a:t>dahua</a:t>
@@ -6502,6 +6573,9 @@
                             <a:schemeClr val="tx1"/>
                           </a:solidFill>
                           <a:effectLst/>
+                          <a:highlight>
+                            <a:srgbClr val="800000"/>
+                          </a:highlight>
                           <a:latin typeface="Calibri" panose="020F0502020204030204" pitchFamily="34" charset="0"/>
                         </a:rPr>
                         <a:t> lm22-b200s</a:t>
@@ -6566,6 +6640,9 @@
                             <a:schemeClr val="tx1"/>
                           </a:solidFill>
                           <a:effectLst/>
+                          <a:highlight>
+                            <a:srgbClr val="FF0000"/>
+                          </a:highlight>
                           <a:latin typeface="Calibri" panose="020F0502020204030204" pitchFamily="34" charset="0"/>
                         </a:rPr>
                         <a:t>dell</a:t>
@@ -6576,6 +6653,9 @@
                             <a:schemeClr val="tx1"/>
                           </a:solidFill>
                           <a:effectLst/>
+                          <a:highlight>
+                            <a:srgbClr val="FF0000"/>
+                          </a:highlight>
                           <a:latin typeface="Calibri" panose="020F0502020204030204" pitchFamily="34" charset="0"/>
                         </a:rPr>
                         <a:t> </a:t>
@@ -6586,6 +6666,9 @@
                             <a:schemeClr val="tx1"/>
                           </a:solidFill>
                           <a:effectLst/>
+                          <a:highlight>
+                            <a:srgbClr val="FF0000"/>
+                          </a:highlight>
                           <a:latin typeface="Calibri" panose="020F0502020204030204" pitchFamily="34" charset="0"/>
                         </a:rPr>
                         <a:t>optiplex</a:t>
@@ -6596,6 +6679,9 @@
                             <a:schemeClr val="tx1"/>
                           </a:solidFill>
                           <a:effectLst/>
+                          <a:highlight>
+                            <a:srgbClr val="FF0000"/>
+                          </a:highlight>
                           <a:latin typeface="Calibri" panose="020F0502020204030204" pitchFamily="34" charset="0"/>
                         </a:rPr>
                         <a:t> 3020 </a:t>
@@ -6606,6 +6692,9 @@
                             <a:schemeClr val="tx1"/>
                           </a:solidFill>
                           <a:effectLst/>
+                          <a:highlight>
+                            <a:srgbClr val="FF0000"/>
+                          </a:highlight>
                           <a:latin typeface="Calibri" panose="020F0502020204030204" pitchFamily="34" charset="0"/>
                         </a:rPr>
                         <a:t>sff</a:t>
@@ -6615,6 +6704,9 @@
                           <a:schemeClr val="tx1"/>
                         </a:solidFill>
                         <a:effectLst/>
+                        <a:highlight>
+                          <a:srgbClr val="FF0000"/>
+                        </a:highlight>
                         <a:latin typeface="Calibri" panose="020F0502020204030204" pitchFamily="34" charset="0"/>
                       </a:endParaRPr>
                     </a:p>
@@ -6677,6 +6769,9 @@
                             <a:schemeClr val="tx1"/>
                           </a:solidFill>
                           <a:effectLst/>
+                          <a:highlight>
+                            <a:srgbClr val="FF0000"/>
+                          </a:highlight>
                           <a:latin typeface="Calibri" panose="020F0502020204030204" pitchFamily="34" charset="0"/>
                         </a:rPr>
                         <a:t>cisco</a:t>
@@ -6687,6 +6782,9 @@
                             <a:schemeClr val="tx1"/>
                           </a:solidFill>
                           <a:effectLst/>
+                          <a:highlight>
+                            <a:srgbClr val="FF0000"/>
+                          </a:highlight>
                           <a:latin typeface="Calibri" panose="020F0502020204030204" pitchFamily="34" charset="0"/>
                         </a:rPr>
                         <a:t> cbw140ac</a:t>
@@ -6751,6 +6849,9 @@
                             <a:schemeClr val="tx1"/>
                           </a:solidFill>
                           <a:effectLst/>
+                          <a:highlight>
+                            <a:srgbClr val="FF0000"/>
+                          </a:highlight>
                           <a:latin typeface="Calibri" panose="020F0502020204030204" pitchFamily="34" charset="0"/>
                         </a:rPr>
                         <a:t>white</a:t>
@@ -6761,6 +6862,9 @@
                             <a:schemeClr val="tx1"/>
                           </a:solidFill>
                           <a:effectLst/>
+                          <a:highlight>
+                            <a:srgbClr val="FF0000"/>
+                          </a:highlight>
                           <a:latin typeface="Calibri" panose="020F0502020204030204" pitchFamily="34" charset="0"/>
                         </a:rPr>
                         <a:t> </a:t>
@@ -6771,6 +6875,9 @@
                             <a:schemeClr val="tx1"/>
                           </a:solidFill>
                           <a:effectLst/>
+                          <a:highlight>
+                            <a:srgbClr val="FF0000"/>
+                          </a:highlight>
                           <a:latin typeface="Calibri" panose="020F0502020204030204" pitchFamily="34" charset="0"/>
                         </a:rPr>
                         <a:t>shark</a:t>
@@ -6781,6 +6888,9 @@
                             <a:schemeClr val="tx1"/>
                           </a:solidFill>
                           <a:effectLst/>
+                          <a:highlight>
+                            <a:srgbClr val="FF0000"/>
+                          </a:highlight>
                           <a:latin typeface="Calibri" panose="020F0502020204030204" pitchFamily="34" charset="0"/>
                         </a:rPr>
                         <a:t> </a:t>
@@ -6791,6 +6901,9 @@
                             <a:schemeClr val="tx1"/>
                           </a:solidFill>
                           <a:effectLst/>
+                          <a:highlight>
+                            <a:srgbClr val="FF0000"/>
+                          </a:highlight>
                           <a:latin typeface="Calibri" panose="020F0502020204030204" pitchFamily="34" charset="0"/>
                         </a:rPr>
                         <a:t>cryus</a:t>
@@ -6800,6 +6913,9 @@
                           <a:schemeClr val="tx1"/>
                         </a:solidFill>
                         <a:effectLst/>
+                        <a:highlight>
+                          <a:srgbClr val="FF0000"/>
+                        </a:highlight>
                         <a:latin typeface="Calibri" panose="020F0502020204030204" pitchFamily="34" charset="0"/>
                       </a:endParaRPr>
                     </a:p>
@@ -6862,6 +6978,9 @@
                             <a:schemeClr val="tx1"/>
                           </a:solidFill>
                           <a:effectLst/>
+                          <a:highlight>
+                            <a:srgbClr val="FF0000"/>
+                          </a:highlight>
                           <a:latin typeface="Calibri" panose="020F0502020204030204" pitchFamily="34" charset="0"/>
                         </a:rPr>
                         <a:t>white</a:t>
@@ -6872,6 +6991,9 @@
                             <a:schemeClr val="tx1"/>
                           </a:solidFill>
                           <a:effectLst/>
+                          <a:highlight>
+                            <a:srgbClr val="FF0000"/>
+                          </a:highlight>
                           <a:latin typeface="Calibri" panose="020F0502020204030204" pitchFamily="34" charset="0"/>
                         </a:rPr>
                         <a:t> </a:t>
@@ -6882,6 +7004,9 @@
                             <a:schemeClr val="tx1"/>
                           </a:solidFill>
                           <a:effectLst/>
+                          <a:highlight>
+                            <a:srgbClr val="FF0000"/>
+                          </a:highlight>
                           <a:latin typeface="Calibri" panose="020F0502020204030204" pitchFamily="34" charset="0"/>
                         </a:rPr>
                         <a:t>shark</a:t>
@@ -6892,6 +7017,9 @@
                             <a:schemeClr val="tx1"/>
                           </a:solidFill>
                           <a:effectLst/>
+                          <a:highlight>
+                            <a:srgbClr val="FF0000"/>
+                          </a:highlight>
                           <a:latin typeface="Calibri" panose="020F0502020204030204" pitchFamily="34" charset="0"/>
                         </a:rPr>
                         <a:t> </a:t>
@@ -6902,6 +7030,9 @@
                             <a:schemeClr val="tx1"/>
                           </a:solidFill>
                           <a:effectLst/>
+                          <a:highlight>
+                            <a:srgbClr val="FF0000"/>
+                          </a:highlight>
                           <a:latin typeface="Calibri" panose="020F0502020204030204" pitchFamily="34" charset="0"/>
                         </a:rPr>
                         <a:t>commandos</a:t>
@@ -6912,6 +7043,9 @@
                             <a:schemeClr val="tx1"/>
                           </a:solidFill>
                           <a:effectLst/>
+                          <a:highlight>
+                            <a:srgbClr val="FF0000"/>
+                          </a:highlight>
                           <a:latin typeface="Calibri" panose="020F0502020204030204" pitchFamily="34" charset="0"/>
                         </a:rPr>
                         <a:t> </a:t>
@@ -6922,6 +7056,9 @@
                             <a:schemeClr val="tx1"/>
                           </a:solidFill>
                           <a:effectLst/>
+                          <a:highlight>
+                            <a:srgbClr val="FF0000"/>
+                          </a:highlight>
                           <a:latin typeface="Calibri" panose="020F0502020204030204" pitchFamily="34" charset="0"/>
                         </a:rPr>
                         <a:t>tkl</a:t>
@@ -6931,6 +7068,9 @@
                           <a:schemeClr val="tx1"/>
                         </a:solidFill>
                         <a:effectLst/>
+                        <a:highlight>
+                          <a:srgbClr val="FF0000"/>
+                        </a:highlight>
                         <a:latin typeface="Calibri" panose="020F0502020204030204" pitchFamily="34" charset="0"/>
                       </a:endParaRPr>
                     </a:p>
@@ -7176,14 +7316,26 @@
               <a:buNone/>
             </a:pPr>
             <a:r>
-              <a:rPr lang="hu-HU" sz="8000" dirty="0"/>
+              <a:rPr lang="hu-HU" sz="8000" dirty="0">
+                <a:highlight>
+                  <a:srgbClr val="800000"/>
+                </a:highlight>
+              </a:rPr>
               <a:t>Költséghatékony megoldás, amely mégis jó minőséget </a:t>
             </a:r>
             <a:r>
-              <a:rPr lang="hu-HU" sz="8000" dirty="0" err="1"/>
+              <a:rPr lang="hu-HU" sz="8000" dirty="0" err="1">
+                <a:highlight>
+                  <a:srgbClr val="800000"/>
+                </a:highlight>
+              </a:rPr>
               <a:t>nyujt</a:t>
             </a:r>
-            <a:endParaRPr lang="hu-HU" sz="8000" dirty="0"/>
+            <a:endParaRPr lang="hu-HU" sz="8000" dirty="0">
+              <a:highlight>
+                <a:srgbClr val="800000"/>
+              </a:highlight>
+            </a:endParaRPr>
           </a:p>
         </p:txBody>
       </p:sp>
@@ -7258,7 +7410,11 @@
           <a:lstStyle/>
           <a:p>
             <a:r>
-              <a:rPr lang="hu-HU" sz="7200" dirty="0"/>
+              <a:rPr lang="hu-HU" sz="7200" dirty="0">
+                <a:highlight>
+                  <a:srgbClr val="008080"/>
+                </a:highlight>
+              </a:rPr>
               <a:t>biztonság</a:t>
             </a:r>
           </a:p>

--- a/Projekt.pptx
+++ b/Projekt.pptx
@@ -5687,8 +5687,24 @@
           <a:lstStyle/>
           <a:p>
             <a:r>
+              <a:rPr lang="hu-HU" dirty="0">
+                <a:highlight>
+                  <a:srgbClr val="008080"/>
+                </a:highlight>
+              </a:rPr>
+              <a:t>Projekt</a:t>
+            </a:r>
+            <a:r>
               <a:rPr lang="hu-HU" dirty="0"/>
-              <a:t>Projekt és célja</a:t>
+              <a:t> és </a:t>
+            </a:r>
+            <a:r>
+              <a:rPr lang="hu-HU" dirty="0">
+                <a:highlight>
+                  <a:srgbClr val="FF0000"/>
+                </a:highlight>
+              </a:rPr>
+              <a:t>célja</a:t>
             </a:r>
           </a:p>
         </p:txBody>
@@ -5810,10 +5826,10 @@
           <a:bodyPr/>
           <a:lstStyle/>
           <a:p>
-            <a:r>
-              <a:rPr lang="hu-HU" dirty="0"/>
-              <a:t>kép</a:t>
-            </a:r>
+            <a:pPr marL="0" indent="0">
+              <a:buNone/>
+            </a:pPr>
+            <a:endParaRPr lang="hu-HU" dirty="0"/>
           </a:p>
         </p:txBody>
       </p:sp>

--- a/Projekt.pptx
+++ b/Projekt.pptx
@@ -112,6 +112,11 @@
       </a:defRPr>
     </a:lvl9pPr>
   </p:defaultTextStyle>
+  <p:extLst>
+    <p:ext uri="{EFAFB233-063F-42B5-8137-9DF3F51BA10A}">
+      <p15:sldGuideLst xmlns:p15="http://schemas.microsoft.com/office/powerpoint/2012/main"/>
+    </p:ext>
+  </p:extLst>
 </p:presentation>
 </file>
 
@@ -5744,13 +5749,13 @@
   <p:clrMapOvr>
     <a:masterClrMapping/>
   </p:clrMapOvr>
-  <mc:AlternateContent xmlns:mc="http://schemas.openxmlformats.org/markup-compatibility/2006">
-    <mc:Choice xmlns:p14="http://schemas.microsoft.com/office/powerpoint/2010/main" Requires="p14">
+  <mc:AlternateContent xmlns:mc="http://schemas.openxmlformats.org/markup-compatibility/2006" xmlns:p14="http://schemas.microsoft.com/office/powerpoint/2010/main">
+    <mc:Choice Requires="p14">
       <p:transition spd="med" p14:dur="700">
         <p:fade/>
       </p:transition>
     </mc:Choice>
-    <mc:Fallback>
+    <mc:Fallback xmlns="">
       <p:transition spd="med">
         <p:fade/>
       </p:transition>
@@ -5805,34 +5810,51 @@
           </a:p>
         </p:txBody>
       </p:sp>
-      <p:sp>
-        <p:nvSpPr>
-          <p:cNvPr id="3" name="Tartalom helye 2">
+      <p:pic>
+        <p:nvPicPr>
+          <p:cNvPr id="5" name="Tartalom helye 4">
             <a:extLst>
               <a:ext uri="{FF2B5EF4-FFF2-40B4-BE49-F238E27FC236}">
-                <a16:creationId xmlns:a16="http://schemas.microsoft.com/office/drawing/2014/main" id="{06E5A7A9-C5E7-483D-95E6-E3000C3C477D}"/>
+                <a16:creationId xmlns:a16="http://schemas.microsoft.com/office/drawing/2014/main" id="{57C32C42-B75E-4766-9254-7EA9798CA5B5}"/>
               </a:ext>
             </a:extLst>
           </p:cNvPr>
-          <p:cNvSpPr>
-            <a:spLocks noGrp="1"/>
-          </p:cNvSpPr>
+          <p:cNvPicPr>
+            <a:picLocks noGrp="1" noChangeAspect="1"/>
+          </p:cNvPicPr>
           <p:nvPr>
             <p:ph idx="1"/>
           </p:nvPr>
-        </p:nvSpPr>
-        <p:spPr/>
-        <p:txBody>
-          <a:bodyPr/>
-          <a:lstStyle/>
-          <a:p>
-            <a:pPr marL="0" indent="0">
-              <a:buNone/>
-            </a:pPr>
-            <a:endParaRPr lang="hu-HU" dirty="0"/>
-          </a:p>
-        </p:txBody>
-      </p:sp>
+        </p:nvPicPr>
+        <p:blipFill>
+          <a:blip r:embed="rId2"/>
+          <a:stretch>
+            <a:fillRect/>
+          </a:stretch>
+        </p:blipFill>
+        <p:spPr>
+          <a:xfrm>
+            <a:off x="3766816" y="2057401"/>
+            <a:ext cx="4658368" cy="4024313"/>
+          </a:xfrm>
+          <a:prstGeom prst="roundRect">
+            <a:avLst>
+              <a:gd name="adj" fmla="val 8594"/>
+            </a:avLst>
+          </a:prstGeom>
+          <a:solidFill>
+            <a:srgbClr val="FFFFFF">
+              <a:shade val="85000"/>
+            </a:srgbClr>
+          </a:solidFill>
+          <a:ln>
+            <a:noFill/>
+          </a:ln>
+          <a:effectLst>
+            <a:reflection blurRad="12700" stA="38000" endPos="28000" dist="5000" dir="5400000" sy="-100000" algn="bl" rotWithShape="0"/>
+          </a:effectLst>
+        </p:spPr>
+      </p:pic>
     </p:spTree>
     <p:extLst>
       <p:ext uri="{BB962C8B-B14F-4D97-AF65-F5344CB8AC3E}">
@@ -5843,13 +5865,13 @@
   <p:clrMapOvr>
     <a:masterClrMapping/>
   </p:clrMapOvr>
-  <mc:AlternateContent xmlns:mc="http://schemas.openxmlformats.org/markup-compatibility/2006">
-    <mc:Choice xmlns:p14="http://schemas.microsoft.com/office/powerpoint/2010/main" Requires="p14">
+  <mc:AlternateContent xmlns:mc="http://schemas.openxmlformats.org/markup-compatibility/2006" xmlns:p14="http://schemas.microsoft.com/office/powerpoint/2010/main">
+    <mc:Choice Requires="p14">
       <p:transition spd="med" p14:dur="700">
         <p:fade/>
       </p:transition>
     </mc:Choice>
-    <mc:Fallback>
+    <mc:Fallback xmlns="">
       <p:transition spd="med">
         <p:fade/>
       </p:transition>
@@ -5987,13 +6009,13 @@
   <p:clrMapOvr>
     <a:masterClrMapping/>
   </p:clrMapOvr>
-  <mc:AlternateContent xmlns:mc="http://schemas.openxmlformats.org/markup-compatibility/2006">
-    <mc:Choice xmlns:p14="http://schemas.microsoft.com/office/powerpoint/2010/main" Requires="p14">
+  <mc:AlternateContent xmlns:mc="http://schemas.openxmlformats.org/markup-compatibility/2006" xmlns:p14="http://schemas.microsoft.com/office/powerpoint/2010/main">
+    <mc:Choice Requires="p14">
       <p:transition spd="slow" p14:dur="1500">
         <p:split orient="vert"/>
       </p:transition>
     </mc:Choice>
-    <mc:Fallback>
+    <mc:Fallback xmlns="">
       <p:transition spd="slow">
         <p:split orient="vert"/>
       </p:transition>
@@ -7244,13 +7266,13 @@
   <p:clrMapOvr>
     <a:masterClrMapping/>
   </p:clrMapOvr>
-  <mc:AlternateContent xmlns:mc="http://schemas.openxmlformats.org/markup-compatibility/2006">
-    <mc:Choice xmlns:p14="http://schemas.microsoft.com/office/powerpoint/2010/main" Requires="p14">
+  <mc:AlternateContent xmlns:mc="http://schemas.openxmlformats.org/markup-compatibility/2006" xmlns:p14="http://schemas.microsoft.com/office/powerpoint/2010/main">
+    <mc:Choice Requires="p14">
       <p:transition spd="slow" p14:dur="1200">
         <p:dissolve/>
       </p:transition>
     </mc:Choice>
-    <mc:Fallback>
+    <mc:Fallback xmlns="">
       <p:transition spd="slow">
         <p:dissolve/>
       </p:transition>
@@ -7365,13 +7387,13 @@
   <p:clrMapOvr>
     <a:masterClrMapping/>
   </p:clrMapOvr>
-  <mc:AlternateContent xmlns:mc="http://schemas.openxmlformats.org/markup-compatibility/2006">
-    <mc:Choice xmlns:p15="http://schemas.microsoft.com/office/powerpoint/2012/main" Requires="p15">
+  <mc:AlternateContent xmlns:mc="http://schemas.openxmlformats.org/markup-compatibility/2006" xmlns:p15="http://schemas.microsoft.com/office/powerpoint/2012/main">
+    <mc:Choice Requires="p15">
       <p:transition xmlns:p14="http://schemas.microsoft.com/office/powerpoint/2010/main" spd="slow" p14:dur="1250">
         <p15:prstTrans prst="peelOff"/>
       </p:transition>
     </mc:Choice>
-    <mc:Fallback>
+    <mc:Fallback xmlns="">
       <p:transition spd="slow">
         <p:fade/>
       </p:transition>
@@ -7495,13 +7517,13 @@
   <p:clrMapOvr>
     <a:masterClrMapping/>
   </p:clrMapOvr>
-  <mc:AlternateContent xmlns:mc="http://schemas.openxmlformats.org/markup-compatibility/2006">
-    <mc:Choice xmlns:p14="http://schemas.microsoft.com/office/powerpoint/2010/main" Requires="p14">
+  <mc:AlternateContent xmlns:mc="http://schemas.openxmlformats.org/markup-compatibility/2006" xmlns:p14="http://schemas.microsoft.com/office/powerpoint/2010/main">
+    <mc:Choice Requires="p14">
       <p:transition spd="slow" p14:dur="4400">
         <p14:honeycomb/>
       </p:transition>
     </mc:Choice>
-    <mc:Fallback>
+    <mc:Fallback xmlns="">
       <p:transition spd="slow">
         <p:fade/>
       </p:transition>
@@ -7591,13 +7613,13 @@
   <p:clrMapOvr>
     <a:masterClrMapping/>
   </p:clrMapOvr>
-  <mc:AlternateContent xmlns:mc="http://schemas.openxmlformats.org/markup-compatibility/2006">
-    <mc:Choice xmlns:p14="http://schemas.microsoft.com/office/powerpoint/2010/main" Requires="p14">
+  <mc:AlternateContent xmlns:mc="http://schemas.openxmlformats.org/markup-compatibility/2006" xmlns:p14="http://schemas.microsoft.com/office/powerpoint/2010/main">
+    <mc:Choice Requires="p14">
       <p:transition spd="med" p14:dur="700">
         <p:fade/>
       </p:transition>
     </mc:Choice>
-    <mc:Fallback>
+    <mc:Fallback xmlns="">
       <p:transition spd="med">
         <p:fade/>
       </p:transition>
@@ -7687,13 +7709,13 @@
   <p:clrMapOvr>
     <a:masterClrMapping/>
   </p:clrMapOvr>
-  <mc:AlternateContent xmlns:mc="http://schemas.openxmlformats.org/markup-compatibility/2006">
-    <mc:Choice xmlns:p14="http://schemas.microsoft.com/office/powerpoint/2010/main" Requires="p14">
+  <mc:AlternateContent xmlns:mc="http://schemas.openxmlformats.org/markup-compatibility/2006" xmlns:p14="http://schemas.microsoft.com/office/powerpoint/2010/main">
+    <mc:Choice Requires="p14">
       <p:transition spd="slow" p14:dur="3900">
         <p14:glitter pattern="hexagon"/>
       </p:transition>
     </mc:Choice>
-    <mc:Fallback>
+    <mc:Fallback xmlns="">
       <p:transition spd="slow">
         <p:fade/>
       </p:transition>
@@ -7790,13 +7812,13 @@
   <p:clrMapOvr>
     <a:masterClrMapping/>
   </p:clrMapOvr>
-  <mc:AlternateContent xmlns:mc="http://schemas.openxmlformats.org/markup-compatibility/2006">
-    <mc:Choice xmlns:p15="http://schemas.microsoft.com/office/powerpoint/2012/main" Requires="p15">
+  <mc:AlternateContent xmlns:mc="http://schemas.openxmlformats.org/markup-compatibility/2006" xmlns:p15="http://schemas.microsoft.com/office/powerpoint/2012/main">
+    <mc:Choice Requires="p15">
       <p:transition xmlns:p14="http://schemas.microsoft.com/office/powerpoint/2010/main" spd="slow" p14:dur="2000">
         <p15:prstTrans prst="fracture"/>
       </p:transition>
     </mc:Choice>
-    <mc:Fallback>
+    <mc:Fallback xmlns="">
       <p:transition spd="slow">
         <p:fade/>
       </p:transition>

--- a/Projekt.pptx
+++ b/Projekt.pptx
@@ -112,11 +112,6 @@
       </a:defRPr>
     </a:lvl9pPr>
   </p:defaultTextStyle>
-  <p:extLst>
-    <p:ext uri="{EFAFB233-063F-42B5-8137-9DF3F51BA10A}">
-      <p15:sldGuideLst xmlns:p15="http://schemas.microsoft.com/office/powerpoint/2012/main"/>
-    </p:ext>
-  </p:extLst>
 </p:presentation>
 </file>
 
@@ -5749,13 +5744,13 @@
   <p:clrMapOvr>
     <a:masterClrMapping/>
   </p:clrMapOvr>
-  <mc:AlternateContent xmlns:mc="http://schemas.openxmlformats.org/markup-compatibility/2006" xmlns:p14="http://schemas.microsoft.com/office/powerpoint/2010/main">
-    <mc:Choice Requires="p14">
+  <mc:AlternateContent xmlns:mc="http://schemas.openxmlformats.org/markup-compatibility/2006">
+    <mc:Choice xmlns:p14="http://schemas.microsoft.com/office/powerpoint/2010/main" Requires="p14">
       <p:transition spd="med" p14:dur="700">
         <p:fade/>
       </p:transition>
     </mc:Choice>
-    <mc:Fallback xmlns="">
+    <mc:Fallback>
       <p:transition spd="med">
         <p:fade/>
       </p:transition>
@@ -5810,51 +5805,34 @@
           </a:p>
         </p:txBody>
       </p:sp>
-      <p:pic>
-        <p:nvPicPr>
-          <p:cNvPr id="5" name="Tartalom helye 4">
+      <p:sp>
+        <p:nvSpPr>
+          <p:cNvPr id="3" name="Tartalom helye 2">
             <a:extLst>
               <a:ext uri="{FF2B5EF4-FFF2-40B4-BE49-F238E27FC236}">
-                <a16:creationId xmlns:a16="http://schemas.microsoft.com/office/drawing/2014/main" id="{57C32C42-B75E-4766-9254-7EA9798CA5B5}"/>
+                <a16:creationId xmlns:a16="http://schemas.microsoft.com/office/drawing/2014/main" id="{06E5A7A9-C5E7-483D-95E6-E3000C3C477D}"/>
               </a:ext>
             </a:extLst>
           </p:cNvPr>
-          <p:cNvPicPr>
-            <a:picLocks noGrp="1" noChangeAspect="1"/>
-          </p:cNvPicPr>
+          <p:cNvSpPr>
+            <a:spLocks noGrp="1"/>
+          </p:cNvSpPr>
           <p:nvPr>
             <p:ph idx="1"/>
           </p:nvPr>
-        </p:nvPicPr>
-        <p:blipFill>
-          <a:blip r:embed="rId2"/>
-          <a:stretch>
-            <a:fillRect/>
-          </a:stretch>
-        </p:blipFill>
-        <p:spPr>
-          <a:xfrm>
-            <a:off x="3766816" y="2057401"/>
-            <a:ext cx="4658368" cy="4024313"/>
-          </a:xfrm>
-          <a:prstGeom prst="roundRect">
-            <a:avLst>
-              <a:gd name="adj" fmla="val 8594"/>
-            </a:avLst>
-          </a:prstGeom>
-          <a:solidFill>
-            <a:srgbClr val="FFFFFF">
-              <a:shade val="85000"/>
-            </a:srgbClr>
-          </a:solidFill>
-          <a:ln>
-            <a:noFill/>
-          </a:ln>
-          <a:effectLst>
-            <a:reflection blurRad="12700" stA="38000" endPos="28000" dist="5000" dir="5400000" sy="-100000" algn="bl" rotWithShape="0"/>
-          </a:effectLst>
-        </p:spPr>
-      </p:pic>
+        </p:nvSpPr>
+        <p:spPr/>
+        <p:txBody>
+          <a:bodyPr/>
+          <a:lstStyle/>
+          <a:p>
+            <a:pPr marL="0" indent="0">
+              <a:buNone/>
+            </a:pPr>
+            <a:endParaRPr lang="hu-HU" dirty="0"/>
+          </a:p>
+        </p:txBody>
+      </p:sp>
     </p:spTree>
     <p:extLst>
       <p:ext uri="{BB962C8B-B14F-4D97-AF65-F5344CB8AC3E}">
@@ -5865,13 +5843,13 @@
   <p:clrMapOvr>
     <a:masterClrMapping/>
   </p:clrMapOvr>
-  <mc:AlternateContent xmlns:mc="http://schemas.openxmlformats.org/markup-compatibility/2006" xmlns:p14="http://schemas.microsoft.com/office/powerpoint/2010/main">
-    <mc:Choice Requires="p14">
+  <mc:AlternateContent xmlns:mc="http://schemas.openxmlformats.org/markup-compatibility/2006">
+    <mc:Choice xmlns:p14="http://schemas.microsoft.com/office/powerpoint/2010/main" Requires="p14">
       <p:transition spd="med" p14:dur="700">
         <p:fade/>
       </p:transition>
     </mc:Choice>
-    <mc:Fallback xmlns="">
+    <mc:Fallback>
       <p:transition spd="med">
         <p:fade/>
       </p:transition>
@@ -6009,13 +5987,13 @@
   <p:clrMapOvr>
     <a:masterClrMapping/>
   </p:clrMapOvr>
-  <mc:AlternateContent xmlns:mc="http://schemas.openxmlformats.org/markup-compatibility/2006" xmlns:p14="http://schemas.microsoft.com/office/powerpoint/2010/main">
-    <mc:Choice Requires="p14">
+  <mc:AlternateContent xmlns:mc="http://schemas.openxmlformats.org/markup-compatibility/2006">
+    <mc:Choice xmlns:p14="http://schemas.microsoft.com/office/powerpoint/2010/main" Requires="p14">
       <p:transition spd="slow" p14:dur="1500">
         <p:split orient="vert"/>
       </p:transition>
     </mc:Choice>
-    <mc:Fallback xmlns="">
+    <mc:Fallback>
       <p:transition spd="slow">
         <p:split orient="vert"/>
       </p:transition>
@@ -7266,13 +7244,13 @@
   <p:clrMapOvr>
     <a:masterClrMapping/>
   </p:clrMapOvr>
-  <mc:AlternateContent xmlns:mc="http://schemas.openxmlformats.org/markup-compatibility/2006" xmlns:p14="http://schemas.microsoft.com/office/powerpoint/2010/main">
-    <mc:Choice Requires="p14">
+  <mc:AlternateContent xmlns:mc="http://schemas.openxmlformats.org/markup-compatibility/2006">
+    <mc:Choice xmlns:p14="http://schemas.microsoft.com/office/powerpoint/2010/main" Requires="p14">
       <p:transition spd="slow" p14:dur="1200">
         <p:dissolve/>
       </p:transition>
     </mc:Choice>
-    <mc:Fallback xmlns="">
+    <mc:Fallback>
       <p:transition spd="slow">
         <p:dissolve/>
       </p:transition>
@@ -7387,13 +7365,13 @@
   <p:clrMapOvr>
     <a:masterClrMapping/>
   </p:clrMapOvr>
-  <mc:AlternateContent xmlns:mc="http://schemas.openxmlformats.org/markup-compatibility/2006" xmlns:p15="http://schemas.microsoft.com/office/powerpoint/2012/main">
-    <mc:Choice Requires="p15">
+  <mc:AlternateContent xmlns:mc="http://schemas.openxmlformats.org/markup-compatibility/2006">
+    <mc:Choice xmlns:p15="http://schemas.microsoft.com/office/powerpoint/2012/main" Requires="p15">
       <p:transition xmlns:p14="http://schemas.microsoft.com/office/powerpoint/2010/main" spd="slow" p14:dur="1250">
         <p15:prstTrans prst="peelOff"/>
       </p:transition>
     </mc:Choice>
-    <mc:Fallback xmlns="">
+    <mc:Fallback>
       <p:transition spd="slow">
         <p:fade/>
       </p:transition>
@@ -7517,13 +7495,13 @@
   <p:clrMapOvr>
     <a:masterClrMapping/>
   </p:clrMapOvr>
-  <mc:AlternateContent xmlns:mc="http://schemas.openxmlformats.org/markup-compatibility/2006" xmlns:p14="http://schemas.microsoft.com/office/powerpoint/2010/main">
-    <mc:Choice Requires="p14">
+  <mc:AlternateContent xmlns:mc="http://schemas.openxmlformats.org/markup-compatibility/2006">
+    <mc:Choice xmlns:p14="http://schemas.microsoft.com/office/powerpoint/2010/main" Requires="p14">
       <p:transition spd="slow" p14:dur="4400">
         <p14:honeycomb/>
       </p:transition>
     </mc:Choice>
-    <mc:Fallback xmlns="">
+    <mc:Fallback>
       <p:transition spd="slow">
         <p:fade/>
       </p:transition>
@@ -7613,13 +7591,13 @@
   <p:clrMapOvr>
     <a:masterClrMapping/>
   </p:clrMapOvr>
-  <mc:AlternateContent xmlns:mc="http://schemas.openxmlformats.org/markup-compatibility/2006" xmlns:p14="http://schemas.microsoft.com/office/powerpoint/2010/main">
-    <mc:Choice Requires="p14">
+  <mc:AlternateContent xmlns:mc="http://schemas.openxmlformats.org/markup-compatibility/2006">
+    <mc:Choice xmlns:p14="http://schemas.microsoft.com/office/powerpoint/2010/main" Requires="p14">
       <p:transition spd="med" p14:dur="700">
         <p:fade/>
       </p:transition>
     </mc:Choice>
-    <mc:Fallback xmlns="">
+    <mc:Fallback>
       <p:transition spd="med">
         <p:fade/>
       </p:transition>
@@ -7709,13 +7687,13 @@
   <p:clrMapOvr>
     <a:masterClrMapping/>
   </p:clrMapOvr>
-  <mc:AlternateContent xmlns:mc="http://schemas.openxmlformats.org/markup-compatibility/2006" xmlns:p14="http://schemas.microsoft.com/office/powerpoint/2010/main">
-    <mc:Choice Requires="p14">
+  <mc:AlternateContent xmlns:mc="http://schemas.openxmlformats.org/markup-compatibility/2006">
+    <mc:Choice xmlns:p14="http://schemas.microsoft.com/office/powerpoint/2010/main" Requires="p14">
       <p:transition spd="slow" p14:dur="3900">
         <p14:glitter pattern="hexagon"/>
       </p:transition>
     </mc:Choice>
-    <mc:Fallback xmlns="">
+    <mc:Fallback>
       <p:transition spd="slow">
         <p:fade/>
       </p:transition>
@@ -7812,13 +7790,13 @@
   <p:clrMapOvr>
     <a:masterClrMapping/>
   </p:clrMapOvr>
-  <mc:AlternateContent xmlns:mc="http://schemas.openxmlformats.org/markup-compatibility/2006" xmlns:p15="http://schemas.microsoft.com/office/powerpoint/2012/main">
-    <mc:Choice Requires="p15">
+  <mc:AlternateContent xmlns:mc="http://schemas.openxmlformats.org/markup-compatibility/2006">
+    <mc:Choice xmlns:p15="http://schemas.microsoft.com/office/powerpoint/2012/main" Requires="p15">
       <p:transition xmlns:p14="http://schemas.microsoft.com/office/powerpoint/2010/main" spd="slow" p14:dur="2000">
         <p15:prstTrans prst="fracture"/>
       </p:transition>
     </mc:Choice>
-    <mc:Fallback xmlns="">
+    <mc:Fallback>
       <p:transition spd="slow">
         <p:fade/>
       </p:transition>

--- a/Projekt.pptx
+++ b/Projekt.pptx
@@ -112,6 +112,11 @@
       </a:defRPr>
     </a:lvl9pPr>
   </p:defaultTextStyle>
+  <p:extLst>
+    <p:ext uri="{EFAFB233-063F-42B5-8137-9DF3F51BA10A}">
+      <p15:sldGuideLst xmlns:p15="http://schemas.microsoft.com/office/powerpoint/2012/main"/>
+    </p:ext>
+  </p:extLst>
 </p:presentation>
 </file>
 
@@ -285,7 +290,7 @@
           <a:p>
             <a:fld id="{48A87A34-81AB-432B-8DAE-1953F412C126}" type="datetimeFigureOut">
               <a:rPr lang="en-US" dirty="0"/>
-              <a:t>10/3/2024</a:t>
+              <a:t>10/10/2024</a:t>
             </a:fld>
             <a:endParaRPr lang="en-US" dirty="0"/>
           </a:p>
@@ -547,7 +552,7 @@
           <a:p>
             <a:fld id="{48A87A34-81AB-432B-8DAE-1953F412C126}" type="datetimeFigureOut">
               <a:rPr lang="en-US" dirty="0"/>
-              <a:t>10/3/2024</a:t>
+              <a:t>10/10/2024</a:t>
             </a:fld>
             <a:endParaRPr lang="en-US" dirty="0"/>
           </a:p>
@@ -774,7 +779,7 @@
             <a:fld id="{48A87A34-81AB-432B-8DAE-1953F412C126}" type="datetimeFigureOut">
               <a:rPr lang="en-US" dirty="0"/>
               <a:pPr/>
-              <a:t>10/3/2024</a:t>
+              <a:t>10/10/2024</a:t>
             </a:fld>
             <a:endParaRPr lang="en-US" dirty="0"/>
           </a:p>
@@ -1080,7 +1085,7 @@
             <a:fld id="{48A87A34-81AB-432B-8DAE-1953F412C126}" type="datetimeFigureOut">
               <a:rPr lang="en-US" dirty="0"/>
               <a:pPr/>
-              <a:t>10/3/2024</a:t>
+              <a:t>10/10/2024</a:t>
             </a:fld>
             <a:endParaRPr lang="en-US" dirty="0"/>
           </a:p>
@@ -1549,7 +1554,7 @@
             <a:fld id="{48A87A34-81AB-432B-8DAE-1953F412C126}" type="datetimeFigureOut">
               <a:rPr lang="en-US" dirty="0"/>
               <a:pPr/>
-              <a:t>10/3/2024</a:t>
+              <a:t>10/10/2024</a:t>
             </a:fld>
             <a:endParaRPr lang="en-US" dirty="0"/>
           </a:p>
@@ -2091,7 +2096,7 @@
           <a:p>
             <a:fld id="{48A87A34-81AB-432B-8DAE-1953F412C126}" type="datetimeFigureOut">
               <a:rPr lang="en-US" dirty="0"/>
-              <a:t>10/3/2024</a:t>
+              <a:t>10/10/2024</a:t>
             </a:fld>
             <a:endParaRPr lang="en-US" dirty="0"/>
           </a:p>
@@ -2860,7 +2865,7 @@
           <a:p>
             <a:fld id="{48A87A34-81AB-432B-8DAE-1953F412C126}" type="datetimeFigureOut">
               <a:rPr lang="en-US" dirty="0"/>
-              <a:t>10/3/2024</a:t>
+              <a:t>10/10/2024</a:t>
             </a:fld>
             <a:endParaRPr lang="en-US" dirty="0"/>
           </a:p>
@@ -3030,7 +3035,7 @@
           <a:p>
             <a:fld id="{48A87A34-81AB-432B-8DAE-1953F412C126}" type="datetimeFigureOut">
               <a:rPr lang="en-US" dirty="0"/>
-              <a:t>10/3/2024</a:t>
+              <a:t>10/10/2024</a:t>
             </a:fld>
             <a:endParaRPr lang="en-US" dirty="0"/>
           </a:p>
@@ -3249,7 +3254,7 @@
             <a:fld id="{48A87A34-81AB-432B-8DAE-1953F412C126}" type="datetimeFigureOut">
               <a:rPr lang="en-US" dirty="0"/>
               <a:pPr/>
-              <a:t>10/3/2024</a:t>
+              <a:t>10/10/2024</a:t>
             </a:fld>
             <a:endParaRPr lang="en-US" dirty="0"/>
           </a:p>
@@ -3424,7 +3429,7 @@
           <a:p>
             <a:fld id="{48A87A34-81AB-432B-8DAE-1953F412C126}" type="datetimeFigureOut">
               <a:rPr lang="en-US" dirty="0"/>
-              <a:t>10/3/2024</a:t>
+              <a:t>10/10/2024</a:t>
             </a:fld>
             <a:endParaRPr lang="en-US" dirty="0"/>
           </a:p>
@@ -3709,7 +3714,7 @@
             <a:fld id="{48A87A34-81AB-432B-8DAE-1953F412C126}" type="datetimeFigureOut">
               <a:rPr lang="en-US" dirty="0"/>
               <a:pPr/>
-              <a:t>10/3/2024</a:t>
+              <a:t>10/10/2024</a:t>
             </a:fld>
             <a:endParaRPr lang="en-US" dirty="0"/>
           </a:p>
@@ -3946,7 +3951,7 @@
           <a:p>
             <a:fld id="{48A87A34-81AB-432B-8DAE-1953F412C126}" type="datetimeFigureOut">
               <a:rPr lang="en-US" dirty="0"/>
-              <a:t>10/3/2024</a:t>
+              <a:t>10/10/2024</a:t>
             </a:fld>
             <a:endParaRPr lang="en-US" dirty="0"/>
           </a:p>
@@ -4320,7 +4325,7 @@
           <a:p>
             <a:fld id="{48A87A34-81AB-432B-8DAE-1953F412C126}" type="datetimeFigureOut">
               <a:rPr lang="en-US" dirty="0"/>
-              <a:t>10/3/2024</a:t>
+              <a:t>10/10/2024</a:t>
             </a:fld>
             <a:endParaRPr lang="en-US" dirty="0"/>
           </a:p>
@@ -4433,7 +4438,7 @@
           <a:p>
             <a:fld id="{48A87A34-81AB-432B-8DAE-1953F412C126}" type="datetimeFigureOut">
               <a:rPr lang="en-US" dirty="0"/>
-              <a:t>10/3/2024</a:t>
+              <a:t>10/10/2024</a:t>
             </a:fld>
             <a:endParaRPr lang="en-US" dirty="0"/>
           </a:p>
@@ -4523,7 +4528,7 @@
           <a:p>
             <a:fld id="{48A87A34-81AB-432B-8DAE-1953F412C126}" type="datetimeFigureOut">
               <a:rPr lang="en-US" dirty="0"/>
-              <a:t>10/3/2024</a:t>
+              <a:t>10/10/2024</a:t>
             </a:fld>
             <a:endParaRPr lang="en-US" dirty="0"/>
           </a:p>
@@ -4767,7 +4772,7 @@
           <a:p>
             <a:fld id="{48A87A34-81AB-432B-8DAE-1953F412C126}" type="datetimeFigureOut">
               <a:rPr lang="en-US" dirty="0"/>
-              <a:t>10/3/2024</a:t>
+              <a:t>10/10/2024</a:t>
             </a:fld>
             <a:endParaRPr lang="en-US" dirty="0"/>
           </a:p>
@@ -5019,7 +5024,7 @@
           <a:p>
             <a:fld id="{48A87A34-81AB-432B-8DAE-1953F412C126}" type="datetimeFigureOut">
               <a:rPr lang="en-US" dirty="0"/>
-              <a:t>10/3/2024</a:t>
+              <a:t>10/10/2024</a:t>
             </a:fld>
             <a:endParaRPr lang="en-US" dirty="0"/>
           </a:p>
@@ -5258,7 +5263,7 @@
             <a:fld id="{48A87A34-81AB-432B-8DAE-1953F412C126}" type="datetimeFigureOut">
               <a:rPr lang="en-US" dirty="0"/>
               <a:pPr/>
-              <a:t>10/3/2024</a:t>
+              <a:t>10/10/2024</a:t>
             </a:fld>
             <a:endParaRPr lang="en-US" dirty="0"/>
           </a:p>
@@ -5744,13 +5749,13 @@
   <p:clrMapOvr>
     <a:masterClrMapping/>
   </p:clrMapOvr>
-  <mc:AlternateContent xmlns:mc="http://schemas.openxmlformats.org/markup-compatibility/2006">
-    <mc:Choice xmlns:p14="http://schemas.microsoft.com/office/powerpoint/2010/main" Requires="p14">
+  <mc:AlternateContent xmlns:mc="http://schemas.openxmlformats.org/markup-compatibility/2006" xmlns:p14="http://schemas.microsoft.com/office/powerpoint/2010/main">
+    <mc:Choice Requires="p14">
       <p:transition spd="med" p14:dur="700">
         <p:fade/>
       </p:transition>
     </mc:Choice>
-    <mc:Fallback>
+    <mc:Fallback xmlns="">
       <p:transition spd="med">
         <p:fade/>
       </p:transition>
@@ -5799,7 +5804,11 @@
           <a:p>
             <a:pPr algn="ctr"/>
             <a:r>
-              <a:rPr lang="hu-HU" dirty="0"/>
+              <a:rPr lang="hu-HU" dirty="0">
+                <a:highlight>
+                  <a:srgbClr val="FF0000"/>
+                </a:highlight>
+              </a:rPr>
               <a:t>topológia</a:t>
             </a:r>
           </a:p>
@@ -5843,13 +5852,13 @@
   <p:clrMapOvr>
     <a:masterClrMapping/>
   </p:clrMapOvr>
-  <mc:AlternateContent xmlns:mc="http://schemas.openxmlformats.org/markup-compatibility/2006">
-    <mc:Choice xmlns:p14="http://schemas.microsoft.com/office/powerpoint/2010/main" Requires="p14">
+  <mc:AlternateContent xmlns:mc="http://schemas.openxmlformats.org/markup-compatibility/2006" xmlns:p14="http://schemas.microsoft.com/office/powerpoint/2010/main">
+    <mc:Choice Requires="p14">
       <p:transition spd="med" p14:dur="700">
         <p:fade/>
       </p:transition>
     </mc:Choice>
-    <mc:Fallback>
+    <mc:Fallback xmlns="">
       <p:transition spd="med">
         <p:fade/>
       </p:transition>
@@ -5987,13 +5996,13 @@
   <p:clrMapOvr>
     <a:masterClrMapping/>
   </p:clrMapOvr>
-  <mc:AlternateContent xmlns:mc="http://schemas.openxmlformats.org/markup-compatibility/2006">
-    <mc:Choice xmlns:p14="http://schemas.microsoft.com/office/powerpoint/2010/main" Requires="p14">
+  <mc:AlternateContent xmlns:mc="http://schemas.openxmlformats.org/markup-compatibility/2006" xmlns:p14="http://schemas.microsoft.com/office/powerpoint/2010/main">
+    <mc:Choice Requires="p14">
       <p:transition spd="slow" p14:dur="1500">
         <p:split orient="vert"/>
       </p:transition>
     </mc:Choice>
-    <mc:Fallback>
+    <mc:Fallback xmlns="">
       <p:transition spd="slow">
         <p:split orient="vert"/>
       </p:transition>
@@ -7244,13 +7253,13 @@
   <p:clrMapOvr>
     <a:masterClrMapping/>
   </p:clrMapOvr>
-  <mc:AlternateContent xmlns:mc="http://schemas.openxmlformats.org/markup-compatibility/2006">
-    <mc:Choice xmlns:p14="http://schemas.microsoft.com/office/powerpoint/2010/main" Requires="p14">
+  <mc:AlternateContent xmlns:mc="http://schemas.openxmlformats.org/markup-compatibility/2006" xmlns:p14="http://schemas.microsoft.com/office/powerpoint/2010/main">
+    <mc:Choice Requires="p14">
       <p:transition spd="slow" p14:dur="1200">
         <p:dissolve/>
       </p:transition>
     </mc:Choice>
-    <mc:Fallback>
+    <mc:Fallback xmlns="">
       <p:transition spd="slow">
         <p:dissolve/>
       </p:transition>
@@ -7299,8 +7308,24 @@
           <a:p>
             <a:pPr algn="l"/>
             <a:r>
+              <a:rPr lang="hu-HU" dirty="0">
+                <a:highlight>
+                  <a:srgbClr val="00FFFF"/>
+                </a:highlight>
+              </a:rPr>
+              <a:t>Eszközök</a:t>
+            </a:r>
+            <a:r>
               <a:rPr lang="hu-HU" dirty="0"/>
-              <a:t>Eszközök okai</a:t>
+              <a:t> </a:t>
+            </a:r>
+            <a:r>
+              <a:rPr lang="hu-HU" dirty="0">
+                <a:highlight>
+                  <a:srgbClr val="FF0000"/>
+                </a:highlight>
+              </a:rPr>
+              <a:t>okai</a:t>
             </a:r>
           </a:p>
         </p:txBody>
@@ -7365,13 +7390,13 @@
   <p:clrMapOvr>
     <a:masterClrMapping/>
   </p:clrMapOvr>
-  <mc:AlternateContent xmlns:mc="http://schemas.openxmlformats.org/markup-compatibility/2006">
-    <mc:Choice xmlns:p15="http://schemas.microsoft.com/office/powerpoint/2012/main" Requires="p15">
+  <mc:AlternateContent xmlns:mc="http://schemas.openxmlformats.org/markup-compatibility/2006" xmlns:p15="http://schemas.microsoft.com/office/powerpoint/2012/main">
+    <mc:Choice Requires="p15">
       <p:transition xmlns:p14="http://schemas.microsoft.com/office/powerpoint/2010/main" spd="slow" p14:dur="1250">
         <p15:prstTrans prst="peelOff"/>
       </p:transition>
     </mc:Choice>
-    <mc:Fallback>
+    <mc:Fallback xmlns="">
       <p:transition spd="slow">
         <p:fade/>
       </p:transition>
@@ -7495,13 +7520,13 @@
   <p:clrMapOvr>
     <a:masterClrMapping/>
   </p:clrMapOvr>
-  <mc:AlternateContent xmlns:mc="http://schemas.openxmlformats.org/markup-compatibility/2006">
-    <mc:Choice xmlns:p14="http://schemas.microsoft.com/office/powerpoint/2010/main" Requires="p14">
+  <mc:AlternateContent xmlns:mc="http://schemas.openxmlformats.org/markup-compatibility/2006" xmlns:p14="http://schemas.microsoft.com/office/powerpoint/2010/main">
+    <mc:Choice Requires="p14">
       <p:transition spd="slow" p14:dur="4400">
         <p14:honeycomb/>
       </p:transition>
     </mc:Choice>
-    <mc:Fallback>
+    <mc:Fallback xmlns="">
       <p:transition spd="slow">
         <p:fade/>
       </p:transition>
@@ -7550,7 +7575,11 @@
           <a:p>
             <a:pPr algn="ctr"/>
             <a:r>
-              <a:rPr lang="hu-HU" dirty="0"/>
+              <a:rPr lang="hu-HU" dirty="0">
+                <a:highlight>
+                  <a:srgbClr val="FF0000"/>
+                </a:highlight>
+              </a:rPr>
               <a:t>telepítés</a:t>
             </a:r>
           </a:p>
@@ -7591,13 +7620,13 @@
   <p:clrMapOvr>
     <a:masterClrMapping/>
   </p:clrMapOvr>
-  <mc:AlternateContent xmlns:mc="http://schemas.openxmlformats.org/markup-compatibility/2006">
-    <mc:Choice xmlns:p14="http://schemas.microsoft.com/office/powerpoint/2010/main" Requires="p14">
+  <mc:AlternateContent xmlns:mc="http://schemas.openxmlformats.org/markup-compatibility/2006" xmlns:p14="http://schemas.microsoft.com/office/powerpoint/2010/main">
+    <mc:Choice Requires="p14">
       <p:transition spd="med" p14:dur="700">
         <p:fade/>
       </p:transition>
     </mc:Choice>
-    <mc:Fallback>
+    <mc:Fallback xmlns="">
       <p:transition spd="med">
         <p:fade/>
       </p:transition>
@@ -7646,7 +7675,11 @@
           <a:p>
             <a:pPr algn="ctr"/>
             <a:r>
-              <a:rPr lang="hu-HU" dirty="0"/>
+              <a:rPr lang="hu-HU" dirty="0">
+                <a:highlight>
+                  <a:srgbClr val="FF0000"/>
+                </a:highlight>
+              </a:rPr>
               <a:t>konfigurálás</a:t>
             </a:r>
           </a:p>
@@ -7687,13 +7720,13 @@
   <p:clrMapOvr>
     <a:masterClrMapping/>
   </p:clrMapOvr>
-  <mc:AlternateContent xmlns:mc="http://schemas.openxmlformats.org/markup-compatibility/2006">
-    <mc:Choice xmlns:p14="http://schemas.microsoft.com/office/powerpoint/2010/main" Requires="p14">
+  <mc:AlternateContent xmlns:mc="http://schemas.openxmlformats.org/markup-compatibility/2006" xmlns:p14="http://schemas.microsoft.com/office/powerpoint/2010/main">
+    <mc:Choice Requires="p14">
       <p:transition spd="slow" p14:dur="3900">
         <p14:glitter pattern="hexagon"/>
       </p:transition>
     </mc:Choice>
-    <mc:Fallback>
+    <mc:Fallback xmlns="">
       <p:transition spd="slow">
         <p:fade/>
       </p:transition>
@@ -7749,7 +7782,11 @@
           <a:p>
             <a:pPr algn="l"/>
             <a:r>
-              <a:rPr lang="hu-HU" sz="9600" b="1" dirty="0"/>
+              <a:rPr lang="hu-HU" sz="9600" b="1" dirty="0">
+                <a:highlight>
+                  <a:srgbClr val="00FFFF"/>
+                </a:highlight>
+              </a:rPr>
               <a:t>összegzés</a:t>
             </a:r>
           </a:p>
@@ -7790,13 +7827,13 @@
   <p:clrMapOvr>
     <a:masterClrMapping/>
   </p:clrMapOvr>
-  <mc:AlternateContent xmlns:mc="http://schemas.openxmlformats.org/markup-compatibility/2006">
-    <mc:Choice xmlns:p15="http://schemas.microsoft.com/office/powerpoint/2012/main" Requires="p15">
+  <mc:AlternateContent xmlns:mc="http://schemas.openxmlformats.org/markup-compatibility/2006" xmlns:p15="http://schemas.microsoft.com/office/powerpoint/2012/main">
+    <mc:Choice Requires="p15">
       <p:transition xmlns:p14="http://schemas.microsoft.com/office/powerpoint/2010/main" spd="slow" p14:dur="2000">
         <p15:prstTrans prst="fracture"/>
       </p:transition>
     </mc:Choice>
-    <mc:Fallback>
+    <mc:Fallback xmlns="">
       <p:transition spd="slow">
         <p:fade/>
       </p:transition>

--- a/Projekt.pptx
+++ b/Projekt.pptx
@@ -5814,34 +5814,51 @@
           </a:p>
         </p:txBody>
       </p:sp>
-      <p:sp>
-        <p:nvSpPr>
-          <p:cNvPr id="3" name="Tartalom helye 2">
+      <p:pic>
+        <p:nvPicPr>
+          <p:cNvPr id="5" name="Tartalom helye 4">
             <a:extLst>
               <a:ext uri="{FF2B5EF4-FFF2-40B4-BE49-F238E27FC236}">
-                <a16:creationId xmlns:a16="http://schemas.microsoft.com/office/drawing/2014/main" id="{06E5A7A9-C5E7-483D-95E6-E3000C3C477D}"/>
+                <a16:creationId xmlns:a16="http://schemas.microsoft.com/office/drawing/2014/main" id="{B4B4FDD0-B1C3-49CF-9A16-82A7119D2655}"/>
               </a:ext>
             </a:extLst>
           </p:cNvPr>
-          <p:cNvSpPr>
-            <a:spLocks noGrp="1"/>
-          </p:cNvSpPr>
+          <p:cNvPicPr>
+            <a:picLocks noGrp="1" noChangeAspect="1"/>
+          </p:cNvPicPr>
           <p:nvPr>
             <p:ph idx="1"/>
           </p:nvPr>
-        </p:nvSpPr>
-        <p:spPr/>
-        <p:txBody>
-          <a:bodyPr/>
-          <a:lstStyle/>
-          <a:p>
-            <a:pPr marL="0" indent="0">
-              <a:buNone/>
-            </a:pPr>
-            <a:endParaRPr lang="hu-HU" dirty="0"/>
-          </a:p>
-        </p:txBody>
-      </p:sp>
+        </p:nvPicPr>
+        <p:blipFill>
+          <a:blip r:embed="rId2"/>
+          <a:stretch>
+            <a:fillRect/>
+          </a:stretch>
+        </p:blipFill>
+        <p:spPr>
+          <a:xfrm>
+            <a:off x="3632270" y="2193925"/>
+            <a:ext cx="4927459" cy="4024313"/>
+          </a:xfrm>
+          <a:prstGeom prst="roundRect">
+            <a:avLst>
+              <a:gd name="adj" fmla="val 8594"/>
+            </a:avLst>
+          </a:prstGeom>
+          <a:solidFill>
+            <a:srgbClr val="FFFFFF">
+              <a:shade val="85000"/>
+            </a:srgbClr>
+          </a:solidFill>
+          <a:ln>
+            <a:noFill/>
+          </a:ln>
+          <a:effectLst>
+            <a:reflection blurRad="12700" stA="38000" endPos="28000" dist="5000" dir="5400000" sy="-100000" algn="bl" rotWithShape="0"/>
+          </a:effectLst>
+        </p:spPr>
+      </p:pic>
     </p:spTree>
     <p:extLst>
       <p:ext uri="{BB962C8B-B14F-4D97-AF65-F5344CB8AC3E}">

--- a/Projekt.pptx
+++ b/Projekt.pptx
@@ -6095,14 +6095,14 @@
             <p:ph idx="1"/>
             <p:extLst>
               <p:ext uri="{D42A27DB-BD31-4B8C-83A1-F6EECF244321}">
-                <p14:modId xmlns:p14="http://schemas.microsoft.com/office/powerpoint/2010/main" val="2008989728"/>
+                <p14:modId xmlns:p14="http://schemas.microsoft.com/office/powerpoint/2010/main" val="389762213"/>
               </p:ext>
             </p:extLst>
           </p:nvPr>
         </p:nvGraphicFramePr>
         <p:xfrm>
-          <a:off x="791570" y="2194561"/>
-          <a:ext cx="6510930" cy="3712194"/>
+          <a:off x="81357" y="2274838"/>
+          <a:ext cx="6510930" cy="5562600"/>
         </p:xfrm>
         <a:graphic>
           <a:graphicData uri="http://schemas.openxmlformats.org/drawingml/2006/table">
@@ -6117,15 +6117,15 @@
                   </a:extLst>
                 </a:gridCol>
               </a:tblGrid>
-              <a:tr h="435060">
+              <a:tr h="445482">
                 <a:tc>
                   <a:txBody>
                     <a:bodyPr/>
                     <a:lstStyle/>
                     <a:p>
-                      <a:pPr algn="l" fontAlgn="b"/>
+                      <a:pPr lvl="0"/>
                       <a:r>
-                        <a:rPr lang="en-US" sz="2000" b="1" i="0" u="none" strike="noStrike" dirty="0" err="1">
+                        <a:rPr lang="hu-HU" sz="2000" b="1" kern="1200" dirty="0">
                           <a:solidFill>
                             <a:schemeClr val="tx1"/>
                           </a:solidFill>
@@ -6133,12 +6133,14 @@
                           <a:highlight>
                             <a:srgbClr val="FF0000"/>
                           </a:highlight>
-                          <a:latin typeface="Calibri" panose="020F0502020204030204" pitchFamily="34" charset="0"/>
+                          <a:latin typeface="+mn-lt"/>
+                          <a:ea typeface="+mn-ea"/>
+                          <a:cs typeface="+mn-cs"/>
                         </a:rPr>
-                        <a:t>eliteboard</a:t>
+                        <a:t>Interaktív tábla</a:t>
                       </a:r>
                       <a:r>
-                        <a:rPr lang="en-US" sz="2000" b="1" i="0" u="none" strike="noStrike" dirty="0">
+                        <a:rPr lang="hu-HU" sz="2000" kern="1200" dirty="0">
                           <a:solidFill>
                             <a:schemeClr val="tx1"/>
                           </a:solidFill>
@@ -6146,12 +6148,14 @@
                           <a:highlight>
                             <a:srgbClr val="FF0000"/>
                           </a:highlight>
-                          <a:latin typeface="Calibri" panose="020F0502020204030204" pitchFamily="34" charset="0"/>
+                          <a:latin typeface="+mn-lt"/>
+                          <a:ea typeface="+mn-ea"/>
+                          <a:cs typeface="+mn-cs"/>
                         </a:rPr>
-                        <a:t> dc82+10 touch inter. </a:t>
+                        <a:t>: </a:t>
                       </a:r>
                       <a:r>
-                        <a:rPr lang="en-US" sz="2000" b="1" i="0" u="none" strike="noStrike" dirty="0" err="1">
+                        <a:rPr lang="hu-HU" sz="2000" kern="1200" dirty="0" err="1">
                           <a:solidFill>
                             <a:schemeClr val="tx1"/>
                           </a:solidFill>
@@ -6159,12 +6163,14 @@
                           <a:highlight>
                             <a:srgbClr val="FF0000"/>
                           </a:highlight>
-                          <a:latin typeface="Calibri" panose="020F0502020204030204" pitchFamily="34" charset="0"/>
+                          <a:latin typeface="+mn-lt"/>
+                          <a:ea typeface="+mn-ea"/>
+                          <a:cs typeface="+mn-cs"/>
                         </a:rPr>
-                        <a:t>Tábl</a:t>
+                        <a:t>Eliteboard</a:t>
                       </a:r>
                       <a:r>
-                        <a:rPr lang="en-US" sz="2000" b="1" i="0" u="none" strike="noStrike" dirty="0">
+                        <a:rPr lang="hu-HU" sz="2000" kern="1200" dirty="0">
                           <a:solidFill>
                             <a:schemeClr val="tx1"/>
                           </a:solidFill>
@@ -6172,10 +6178,315 @@
                           <a:highlight>
                             <a:srgbClr val="FF0000"/>
                           </a:highlight>
-                          <a:latin typeface="Calibri" panose="020F0502020204030204" pitchFamily="34" charset="0"/>
+                          <a:latin typeface="+mn-lt"/>
+                          <a:ea typeface="+mn-ea"/>
+                          <a:cs typeface="+mn-cs"/>
                         </a:rPr>
-                        <a:t>.</a:t>
+                        <a:t> dc82+10 </a:t>
                       </a:r>
+                      <a:r>
+                        <a:rPr lang="hu-HU" sz="2000" kern="1200" dirty="0" err="1">
+                          <a:solidFill>
+                            <a:schemeClr val="tx1"/>
+                          </a:solidFill>
+                          <a:effectLst/>
+                          <a:highlight>
+                            <a:srgbClr val="FF0000"/>
+                          </a:highlight>
+                          <a:latin typeface="+mn-lt"/>
+                          <a:ea typeface="+mn-ea"/>
+                          <a:cs typeface="+mn-cs"/>
+                        </a:rPr>
+                        <a:t>touch</a:t>
+                      </a:r>
+                      <a:endParaRPr lang="hu-HU" sz="2000" kern="1200" dirty="0">
+                        <a:solidFill>
+                          <a:schemeClr val="tx1"/>
+                        </a:solidFill>
+                        <a:effectLst/>
+                        <a:highlight>
+                          <a:srgbClr val="FF0000"/>
+                        </a:highlight>
+                        <a:latin typeface="+mn-lt"/>
+                        <a:ea typeface="+mn-ea"/>
+                        <a:cs typeface="+mn-cs"/>
+                      </a:endParaRPr>
+                    </a:p>
+                    <a:p>
+                      <a:pPr lvl="0"/>
+                      <a:endParaRPr lang="hu-HU" sz="2000" kern="1200" dirty="0">
+                        <a:solidFill>
+                          <a:schemeClr val="tx1"/>
+                        </a:solidFill>
+                        <a:effectLst/>
+                        <a:highlight>
+                          <a:srgbClr val="FF0000"/>
+                        </a:highlight>
+                        <a:latin typeface="+mn-lt"/>
+                        <a:ea typeface="+mn-ea"/>
+                        <a:cs typeface="+mn-cs"/>
+                      </a:endParaRPr>
+                    </a:p>
+                    <a:p>
+                      <a:pPr lvl="0"/>
+                      <a:r>
+                        <a:rPr lang="hu-HU" sz="2000" b="1" kern="1200" dirty="0">
+                          <a:solidFill>
+                            <a:schemeClr val="tx1"/>
+                          </a:solidFill>
+                          <a:effectLst/>
+                          <a:highlight>
+                            <a:srgbClr val="FF0000"/>
+                          </a:highlight>
+                          <a:latin typeface="+mn-lt"/>
+                          <a:ea typeface="+mn-ea"/>
+                          <a:cs typeface="+mn-cs"/>
+                        </a:rPr>
+                        <a:t>Nyomtató</a:t>
+                      </a:r>
+                      <a:r>
+                        <a:rPr lang="hu-HU" sz="2000" kern="1200" dirty="0">
+                          <a:solidFill>
+                            <a:schemeClr val="tx1"/>
+                          </a:solidFill>
+                          <a:effectLst/>
+                          <a:highlight>
+                            <a:srgbClr val="FF0000"/>
+                          </a:highlight>
+                          <a:latin typeface="+mn-lt"/>
+                          <a:ea typeface="+mn-ea"/>
+                          <a:cs typeface="+mn-cs"/>
+                        </a:rPr>
+                        <a:t>: Canon </a:t>
+                      </a:r>
+                      <a:r>
+                        <a:rPr lang="hu-HU" sz="2000" kern="1200" dirty="0" err="1">
+                          <a:solidFill>
+                            <a:schemeClr val="tx1"/>
+                          </a:solidFill>
+                          <a:effectLst/>
+                          <a:highlight>
+                            <a:srgbClr val="FF0000"/>
+                          </a:highlight>
+                          <a:latin typeface="+mn-lt"/>
+                          <a:ea typeface="+mn-ea"/>
+                          <a:cs typeface="+mn-cs"/>
+                        </a:rPr>
+                        <a:t>maxify</a:t>
+                      </a:r>
+                      <a:r>
+                        <a:rPr lang="hu-HU" sz="2000" kern="1200" dirty="0">
+                          <a:solidFill>
+                            <a:schemeClr val="tx1"/>
+                          </a:solidFill>
+                          <a:effectLst/>
+                          <a:highlight>
+                            <a:srgbClr val="FF0000"/>
+                          </a:highlight>
+                          <a:latin typeface="+mn-lt"/>
+                          <a:ea typeface="+mn-ea"/>
+                          <a:cs typeface="+mn-cs"/>
+                        </a:rPr>
+                        <a:t> mb2150</a:t>
+                      </a:r>
+                    </a:p>
+                    <a:p>
+                      <a:pPr lvl="0"/>
+                      <a:endParaRPr lang="hu-HU" sz="2000" kern="1200" dirty="0">
+                        <a:solidFill>
+                          <a:schemeClr val="tx1"/>
+                        </a:solidFill>
+                        <a:effectLst/>
+                        <a:highlight>
+                          <a:srgbClr val="FF0000"/>
+                        </a:highlight>
+                        <a:latin typeface="+mn-lt"/>
+                        <a:ea typeface="+mn-ea"/>
+                        <a:cs typeface="+mn-cs"/>
+                      </a:endParaRPr>
+                    </a:p>
+                    <a:p>
+                      <a:pPr lvl="0"/>
+                      <a:r>
+                        <a:rPr lang="hu-HU" sz="2000" b="1" kern="1200" dirty="0">
+                          <a:solidFill>
+                            <a:schemeClr val="tx1"/>
+                          </a:solidFill>
+                          <a:effectLst/>
+                          <a:highlight>
+                            <a:srgbClr val="FF0000"/>
+                          </a:highlight>
+                          <a:latin typeface="+mn-lt"/>
+                          <a:ea typeface="+mn-ea"/>
+                          <a:cs typeface="+mn-cs"/>
+                        </a:rPr>
+                        <a:t>Access </a:t>
+                      </a:r>
+                      <a:r>
+                        <a:rPr lang="hu-HU" sz="2000" b="1" kern="1200" dirty="0" err="1">
+                          <a:solidFill>
+                            <a:schemeClr val="tx1"/>
+                          </a:solidFill>
+                          <a:effectLst/>
+                          <a:highlight>
+                            <a:srgbClr val="FF0000"/>
+                          </a:highlight>
+                          <a:latin typeface="+mn-lt"/>
+                          <a:ea typeface="+mn-ea"/>
+                          <a:cs typeface="+mn-cs"/>
+                        </a:rPr>
+                        <a:t>point</a:t>
+                      </a:r>
+                      <a:r>
+                        <a:rPr lang="hu-HU" sz="2000" kern="1200" dirty="0">
+                          <a:solidFill>
+                            <a:schemeClr val="tx1"/>
+                          </a:solidFill>
+                          <a:effectLst/>
+                          <a:highlight>
+                            <a:srgbClr val="FF0000"/>
+                          </a:highlight>
+                          <a:latin typeface="+mn-lt"/>
+                          <a:ea typeface="+mn-ea"/>
+                          <a:cs typeface="+mn-cs"/>
+                        </a:rPr>
+                        <a:t>: Cisco cbw140ac</a:t>
+                      </a:r>
+                    </a:p>
+                    <a:p>
+                      <a:pPr lvl="0"/>
+                      <a:endParaRPr lang="hu-HU" sz="2000" kern="1200" dirty="0">
+                        <a:solidFill>
+                          <a:schemeClr val="tx1"/>
+                        </a:solidFill>
+                        <a:effectLst/>
+                        <a:highlight>
+                          <a:srgbClr val="FF0000"/>
+                        </a:highlight>
+                        <a:latin typeface="+mn-lt"/>
+                        <a:ea typeface="+mn-ea"/>
+                        <a:cs typeface="+mn-cs"/>
+                      </a:endParaRPr>
+                    </a:p>
+                    <a:p>
+                      <a:pPr lvl="0"/>
+                      <a:r>
+                        <a:rPr lang="hu-HU" sz="2000" b="1" kern="1200" dirty="0" err="1">
+                          <a:solidFill>
+                            <a:schemeClr val="tx1"/>
+                          </a:solidFill>
+                          <a:effectLst/>
+                          <a:highlight>
+                            <a:srgbClr val="FF0000"/>
+                          </a:highlight>
+                          <a:latin typeface="+mn-lt"/>
+                          <a:ea typeface="+mn-ea"/>
+                          <a:cs typeface="+mn-cs"/>
+                        </a:rPr>
+                        <a:t>Switch</a:t>
+                      </a:r>
+                      <a:r>
+                        <a:rPr lang="hu-HU" sz="2000" kern="1200" dirty="0">
+                          <a:solidFill>
+                            <a:schemeClr val="tx1"/>
+                          </a:solidFill>
+                          <a:effectLst/>
+                          <a:highlight>
+                            <a:srgbClr val="FF0000"/>
+                          </a:highlight>
+                          <a:latin typeface="+mn-lt"/>
+                          <a:ea typeface="+mn-ea"/>
+                          <a:cs typeface="+mn-cs"/>
+                        </a:rPr>
+                        <a:t>: Cisco ws-c2960x 24psq-l</a:t>
+                      </a:r>
+                    </a:p>
+                    <a:p>
+                      <a:pPr lvl="0"/>
+                      <a:endParaRPr lang="hu-HU" sz="2000" kern="1200" dirty="0">
+                        <a:solidFill>
+                          <a:schemeClr val="tx1"/>
+                        </a:solidFill>
+                        <a:effectLst/>
+                        <a:highlight>
+                          <a:srgbClr val="FF0000"/>
+                        </a:highlight>
+                        <a:latin typeface="+mn-lt"/>
+                        <a:ea typeface="+mn-ea"/>
+                        <a:cs typeface="+mn-cs"/>
+                      </a:endParaRPr>
+                    </a:p>
+                    <a:p>
+                      <a:r>
+                        <a:rPr lang="hu-HU" sz="2000" b="1" kern="1200" dirty="0">
+                          <a:solidFill>
+                            <a:schemeClr val="tx1"/>
+                          </a:solidFill>
+                          <a:effectLst/>
+                          <a:highlight>
+                            <a:srgbClr val="FF0000"/>
+                          </a:highlight>
+                          <a:latin typeface="+mn-lt"/>
+                          <a:ea typeface="+mn-ea"/>
+                          <a:cs typeface="+mn-cs"/>
+                        </a:rPr>
+                        <a:t>Router</a:t>
+                      </a:r>
+                      <a:r>
+                        <a:rPr lang="hu-HU" sz="2000" kern="1200" dirty="0">
+                          <a:solidFill>
+                            <a:schemeClr val="tx1"/>
+                          </a:solidFill>
+                          <a:effectLst/>
+                          <a:highlight>
+                            <a:srgbClr val="FF0000"/>
+                          </a:highlight>
+                          <a:latin typeface="+mn-lt"/>
+                          <a:ea typeface="+mn-ea"/>
+                          <a:cs typeface="+mn-cs"/>
+                        </a:rPr>
+                        <a:t>: Cisco </a:t>
+                      </a:r>
+                      <a:r>
+                        <a:rPr lang="hu-HU" sz="2000" kern="1200" dirty="0" err="1">
+                          <a:solidFill>
+                            <a:schemeClr val="tx1"/>
+                          </a:solidFill>
+                          <a:effectLst/>
+                          <a:highlight>
+                            <a:srgbClr val="FF0000"/>
+                          </a:highlight>
+                          <a:latin typeface="+mn-lt"/>
+                          <a:ea typeface="+mn-ea"/>
+                          <a:cs typeface="+mn-cs"/>
+                        </a:rPr>
+                        <a:t>isr</a:t>
+                      </a:r>
+                      <a:r>
+                        <a:rPr lang="hu-HU" sz="2000" kern="1200" dirty="0">
+                          <a:solidFill>
+                            <a:schemeClr val="tx1"/>
+                          </a:solidFill>
+                          <a:effectLst/>
+                          <a:highlight>
+                            <a:srgbClr val="FF0000"/>
+                          </a:highlight>
+                          <a:latin typeface="+mn-lt"/>
+                          <a:ea typeface="+mn-ea"/>
+                          <a:cs typeface="+mn-cs"/>
+                        </a:rPr>
+                        <a:t> 4331</a:t>
+                      </a:r>
+                      <a:endParaRPr lang="en-US" sz="2000" b="1" i="0" u="none" strike="noStrike" dirty="0">
+                        <a:solidFill>
+                          <a:schemeClr val="tx1"/>
+                        </a:solidFill>
+                        <a:effectLst/>
+                        <a:highlight>
+                          <a:srgbClr val="FF0000"/>
+                        </a:highlight>
+                        <a:latin typeface="Calibri" panose="020F0502020204030204" pitchFamily="34" charset="0"/>
+                      </a:endParaRPr>
                     </a:p>
                   </a:txBody>
                   <a:tcPr marL="7620" marR="7620" marT="7620" marB="0" anchor="b">
@@ -6217,65 +6528,23 @@
                   </a:ext>
                 </a:extLst>
               </a:tr>
-              <a:tr h="521136">
+              <a:tr h="168325">
                 <a:tc>
                   <a:txBody>
                     <a:bodyPr/>
                     <a:lstStyle/>
                     <a:p>
                       <a:pPr algn="l" fontAlgn="b"/>
-                      <a:r>
-                        <a:rPr lang="hu-HU" sz="2000" b="1" i="0" u="none" strike="noStrike" dirty="0" err="1">
-                          <a:solidFill>
-                            <a:schemeClr val="tx1"/>
-                          </a:solidFill>
-                          <a:effectLst/>
-                          <a:highlight>
-                            <a:srgbClr val="800000"/>
-                          </a:highlight>
-                          <a:latin typeface="Calibri" panose="020F0502020204030204" pitchFamily="34" charset="0"/>
-                        </a:rPr>
-                        <a:t>canon</a:t>
-                      </a:r>
-                      <a:r>
-                        <a:rPr lang="hu-HU" sz="2000" b="1" i="0" u="none" strike="noStrike" dirty="0">
-                          <a:solidFill>
-                            <a:schemeClr val="tx1"/>
-                          </a:solidFill>
-                          <a:effectLst/>
-                          <a:highlight>
-                            <a:srgbClr val="800000"/>
-                          </a:highlight>
-                          <a:latin typeface="Calibri" panose="020F0502020204030204" pitchFamily="34" charset="0"/>
-                        </a:rPr>
-                        <a:t> </a:t>
-                      </a:r>
-                      <a:r>
-                        <a:rPr lang="hu-HU" sz="2000" b="1" i="0" u="none" strike="noStrike" dirty="0" err="1">
-                          <a:solidFill>
-                            <a:schemeClr val="tx1"/>
-                          </a:solidFill>
-                          <a:effectLst/>
-                          <a:highlight>
-                            <a:srgbClr val="800000"/>
-                          </a:highlight>
-                          <a:latin typeface="Calibri" panose="020F0502020204030204" pitchFamily="34" charset="0"/>
-                        </a:rPr>
-                        <a:t>maxify</a:t>
-                      </a:r>
-                      <a:r>
-                        <a:rPr lang="hu-HU" sz="2000" b="1" i="0" u="none" strike="noStrike" dirty="0">
-                          <a:solidFill>
-                            <a:schemeClr val="tx1"/>
-                          </a:solidFill>
-                          <a:effectLst/>
-                          <a:highlight>
-                            <a:srgbClr val="800000"/>
-                          </a:highlight>
-                          <a:latin typeface="Calibri" panose="020F0502020204030204" pitchFamily="34" charset="0"/>
-                        </a:rPr>
-                        <a:t> mb2150 színes nyomtató</a:t>
-                      </a:r>
+                      <a:endParaRPr lang="hu-HU" sz="2000" b="1" i="0" u="none" strike="noStrike" dirty="0">
+                        <a:solidFill>
+                          <a:schemeClr val="tx1"/>
+                        </a:solidFill>
+                        <a:effectLst/>
+                        <a:highlight>
+                          <a:srgbClr val="800000"/>
+                        </a:highlight>
+                        <a:latin typeface="Calibri" panose="020F0502020204030204" pitchFamily="34" charset="0"/>
+                      </a:endParaRPr>
                     </a:p>
                   </a:txBody>
                   <a:tcPr marL="7620" marR="7620" marT="7620" marB="0" anchor="b">
@@ -6323,65 +6592,23 @@
                   </a:ext>
                 </a:extLst>
               </a:tr>
-              <a:tr h="265886">
+              <a:tr h="100910">
                 <a:tc>
                   <a:txBody>
                     <a:bodyPr/>
                     <a:lstStyle/>
                     <a:p>
                       <a:pPr algn="l" fontAlgn="b"/>
-                      <a:r>
-                        <a:rPr lang="hu-HU" sz="2000" b="1" i="0" u="none" strike="noStrike" dirty="0" err="1">
-                          <a:solidFill>
-                            <a:schemeClr val="tx1"/>
-                          </a:solidFill>
-                          <a:effectLst/>
-                          <a:highlight>
-                            <a:srgbClr val="800000"/>
-                          </a:highlight>
-                          <a:latin typeface="Calibri" panose="020F0502020204030204" pitchFamily="34" charset="0"/>
-                        </a:rPr>
-                        <a:t>cisco</a:t>
-                      </a:r>
-                      <a:r>
-                        <a:rPr lang="hu-HU" sz="2000" b="1" i="0" u="none" strike="noStrike" dirty="0">
-                          <a:solidFill>
-                            <a:schemeClr val="tx1"/>
-                          </a:solidFill>
-                          <a:effectLst/>
-                          <a:highlight>
-                            <a:srgbClr val="800000"/>
-                          </a:highlight>
-                          <a:latin typeface="Calibri" panose="020F0502020204030204" pitchFamily="34" charset="0"/>
-                        </a:rPr>
-                        <a:t> </a:t>
-                      </a:r>
-                      <a:r>
-                        <a:rPr lang="hu-HU" sz="2000" b="1" i="0" u="none" strike="noStrike" dirty="0" err="1">
-                          <a:solidFill>
-                            <a:schemeClr val="tx1"/>
-                          </a:solidFill>
-                          <a:effectLst/>
-                          <a:highlight>
-                            <a:srgbClr val="800000"/>
-                          </a:highlight>
-                          <a:latin typeface="Calibri" panose="020F0502020204030204" pitchFamily="34" charset="0"/>
-                        </a:rPr>
-                        <a:t>isr</a:t>
-                      </a:r>
-                      <a:r>
-                        <a:rPr lang="hu-HU" sz="2000" b="1" i="0" u="none" strike="noStrike" dirty="0">
-                          <a:solidFill>
-                            <a:schemeClr val="tx1"/>
-                          </a:solidFill>
-                          <a:effectLst/>
-                          <a:highlight>
-                            <a:srgbClr val="800000"/>
-                          </a:highlight>
-                          <a:latin typeface="Calibri" panose="020F0502020204030204" pitchFamily="34" charset="0"/>
-                        </a:rPr>
-                        <a:t> 4331</a:t>
-                      </a:r>
+                      <a:endParaRPr lang="hu-HU" sz="2000" b="1" i="0" u="none" strike="noStrike" dirty="0">
+                        <a:solidFill>
+                          <a:schemeClr val="tx1"/>
+                        </a:solidFill>
+                        <a:effectLst/>
+                        <a:highlight>
+                          <a:srgbClr val="800000"/>
+                        </a:highlight>
+                        <a:latin typeface="Calibri" panose="020F0502020204030204" pitchFamily="34" charset="0"/>
+                      </a:endParaRPr>
                     </a:p>
                   </a:txBody>
                   <a:tcPr marL="7620" marR="7620" marT="7620" marB="0" anchor="b">
@@ -6429,39 +6656,23 @@
                   </a:ext>
                 </a:extLst>
               </a:tr>
-              <a:tr h="276521">
+              <a:tr h="100910">
                 <a:tc>
                   <a:txBody>
                     <a:bodyPr/>
                     <a:lstStyle/>
                     <a:p>
                       <a:pPr algn="l" fontAlgn="b"/>
-                      <a:r>
-                        <a:rPr lang="hu-HU" sz="2000" b="1" i="0" u="none" strike="noStrike" dirty="0" err="1">
-                          <a:solidFill>
-                            <a:schemeClr val="tx1"/>
-                          </a:solidFill>
-                          <a:effectLst/>
-                          <a:highlight>
-                            <a:srgbClr val="800000"/>
-                          </a:highlight>
-                          <a:latin typeface="Calibri" panose="020F0502020204030204" pitchFamily="34" charset="0"/>
-                        </a:rPr>
-                        <a:t>cisco</a:t>
-                      </a:r>
-                      <a:r>
-                        <a:rPr lang="hu-HU" sz="2000" b="1" i="0" u="none" strike="noStrike" dirty="0">
-                          <a:solidFill>
-                            <a:schemeClr val="tx1"/>
-                          </a:solidFill>
-                          <a:effectLst/>
-                          <a:highlight>
-                            <a:srgbClr val="800000"/>
-                          </a:highlight>
-                          <a:latin typeface="Calibri" panose="020F0502020204030204" pitchFamily="34" charset="0"/>
-                        </a:rPr>
-                        <a:t> ws-c2960x 24psq-l</a:t>
-                      </a:r>
+                      <a:endParaRPr lang="hu-HU" sz="2000" b="1" i="0" u="none" strike="noStrike" dirty="0">
+                        <a:solidFill>
+                          <a:schemeClr val="tx1"/>
+                        </a:solidFill>
+                        <a:effectLst/>
+                        <a:highlight>
+                          <a:srgbClr val="800000"/>
+                        </a:highlight>
+                        <a:latin typeface="Calibri" panose="020F0502020204030204" pitchFamily="34" charset="0"/>
+                      </a:endParaRPr>
                     </a:p>
                   </a:txBody>
                   <a:tcPr marL="7620" marR="7620" marT="7620" marB="0" anchor="b">
@@ -6509,39 +6720,23 @@
                   </a:ext>
                 </a:extLst>
               </a:tr>
-              <a:tr h="276521">
+              <a:tr h="100910">
                 <a:tc>
                   <a:txBody>
                     <a:bodyPr/>
                     <a:lstStyle/>
                     <a:p>
                       <a:pPr algn="l" fontAlgn="b"/>
-                      <a:r>
-                        <a:rPr lang="hu-HU" sz="2000" b="1" i="0" u="none" strike="noStrike" dirty="0" err="1">
-                          <a:solidFill>
-                            <a:schemeClr val="tx1"/>
-                          </a:solidFill>
-                          <a:effectLst/>
-                          <a:highlight>
-                            <a:srgbClr val="800000"/>
-                          </a:highlight>
-                          <a:latin typeface="Calibri" panose="020F0502020204030204" pitchFamily="34" charset="0"/>
-                        </a:rPr>
-                        <a:t>cisco</a:t>
-                      </a:r>
-                      <a:r>
-                        <a:rPr lang="hu-HU" sz="2000" b="1" i="0" u="none" strike="noStrike" dirty="0">
-                          <a:solidFill>
-                            <a:schemeClr val="tx1"/>
-                          </a:solidFill>
-                          <a:effectLst/>
-                          <a:highlight>
-                            <a:srgbClr val="800000"/>
-                          </a:highlight>
-                          <a:latin typeface="Calibri" panose="020F0502020204030204" pitchFamily="34" charset="0"/>
-                        </a:rPr>
-                        <a:t> c9300-48ub-a</a:t>
-                      </a:r>
+                      <a:endParaRPr lang="hu-HU" sz="2000" b="1" i="0" u="none" strike="noStrike" dirty="0">
+                        <a:solidFill>
+                          <a:schemeClr val="tx1"/>
+                        </a:solidFill>
+                        <a:effectLst/>
+                        <a:highlight>
+                          <a:srgbClr val="800000"/>
+                        </a:highlight>
+                        <a:latin typeface="Calibri" panose="020F0502020204030204" pitchFamily="34" charset="0"/>
+                      </a:endParaRPr>
                     </a:p>
                   </a:txBody>
                   <a:tcPr marL="7620" marR="7620" marT="7620" marB="0" anchor="b">
@@ -6589,39 +6784,23 @@
                   </a:ext>
                 </a:extLst>
               </a:tr>
-              <a:tr h="276521">
+              <a:tr h="100910">
                 <a:tc>
                   <a:txBody>
                     <a:bodyPr/>
                     <a:lstStyle/>
                     <a:p>
                       <a:pPr algn="l" fontAlgn="b"/>
-                      <a:r>
-                        <a:rPr lang="hu-HU" sz="2000" b="1" i="0" u="none" strike="noStrike" dirty="0" err="1">
-                          <a:solidFill>
-                            <a:schemeClr val="tx1"/>
-                          </a:solidFill>
-                          <a:effectLst/>
-                          <a:highlight>
-                            <a:srgbClr val="800000"/>
-                          </a:highlight>
-                          <a:latin typeface="Calibri" panose="020F0502020204030204" pitchFamily="34" charset="0"/>
-                        </a:rPr>
-                        <a:t>dahua</a:t>
-                      </a:r>
-                      <a:r>
-                        <a:rPr lang="hu-HU" sz="2000" b="1" i="0" u="none" strike="noStrike" dirty="0">
-                          <a:solidFill>
-                            <a:schemeClr val="tx1"/>
-                          </a:solidFill>
-                          <a:effectLst/>
-                          <a:highlight>
-                            <a:srgbClr val="800000"/>
-                          </a:highlight>
-                          <a:latin typeface="Calibri" panose="020F0502020204030204" pitchFamily="34" charset="0"/>
-                        </a:rPr>
-                        <a:t> lm22-b200s</a:t>
-                      </a:r>
+                      <a:endParaRPr lang="hu-HU" sz="2000" b="1" i="0" u="none" strike="noStrike" dirty="0">
+                        <a:solidFill>
+                          <a:schemeClr val="tx1"/>
+                        </a:solidFill>
+                        <a:effectLst/>
+                        <a:highlight>
+                          <a:srgbClr val="800000"/>
+                        </a:highlight>
+                        <a:latin typeface="Calibri" panose="020F0502020204030204" pitchFamily="34" charset="0"/>
+                      </a:endParaRPr>
                     </a:p>
                   </a:txBody>
                   <a:tcPr marL="7620" marR="7620" marT="7620" marB="0" anchor="b">
@@ -6669,78 +6848,13 @@
                   </a:ext>
                 </a:extLst>
               </a:tr>
-              <a:tr h="569058">
+              <a:tr h="183803">
                 <a:tc>
                   <a:txBody>
                     <a:bodyPr/>
                     <a:lstStyle/>
                     <a:p>
                       <a:pPr algn="l" fontAlgn="b"/>
-                      <a:r>
-                        <a:rPr lang="hu-HU" sz="2000" b="1" i="0" u="none" strike="noStrike" dirty="0" err="1">
-                          <a:solidFill>
-                            <a:schemeClr val="tx1"/>
-                          </a:solidFill>
-                          <a:effectLst/>
-                          <a:highlight>
-                            <a:srgbClr val="FF0000"/>
-                          </a:highlight>
-                          <a:latin typeface="Calibri" panose="020F0502020204030204" pitchFamily="34" charset="0"/>
-                        </a:rPr>
-                        <a:t>dell</a:t>
-                      </a:r>
-                      <a:r>
-                        <a:rPr lang="hu-HU" sz="2000" b="1" i="0" u="none" strike="noStrike" dirty="0">
-                          <a:solidFill>
-                            <a:schemeClr val="tx1"/>
-                          </a:solidFill>
-                          <a:effectLst/>
-                          <a:highlight>
-                            <a:srgbClr val="FF0000"/>
-                          </a:highlight>
-                          <a:latin typeface="Calibri" panose="020F0502020204030204" pitchFamily="34" charset="0"/>
-                        </a:rPr>
-                        <a:t> </a:t>
-                      </a:r>
-                      <a:r>
-                        <a:rPr lang="hu-HU" sz="2000" b="1" i="0" u="none" strike="noStrike" dirty="0" err="1">
-                          <a:solidFill>
-                            <a:schemeClr val="tx1"/>
-                          </a:solidFill>
-                          <a:effectLst/>
-                          <a:highlight>
-                            <a:srgbClr val="FF0000"/>
-                          </a:highlight>
-                          <a:latin typeface="Calibri" panose="020F0502020204030204" pitchFamily="34" charset="0"/>
-                        </a:rPr>
-                        <a:t>optiplex</a:t>
-                      </a:r>
-                      <a:r>
-                        <a:rPr lang="hu-HU" sz="2000" b="1" i="0" u="none" strike="noStrike" dirty="0">
-                          <a:solidFill>
-                            <a:schemeClr val="tx1"/>
-                          </a:solidFill>
-                          <a:effectLst/>
-                          <a:highlight>
-                            <a:srgbClr val="FF0000"/>
-                          </a:highlight>
-                          <a:latin typeface="Calibri" panose="020F0502020204030204" pitchFamily="34" charset="0"/>
-                        </a:rPr>
-                        <a:t> 3020 </a:t>
-                      </a:r>
-                      <a:r>
-                        <a:rPr lang="hu-HU" sz="2000" b="1" i="0" u="none" strike="noStrike" dirty="0" err="1">
-                          <a:solidFill>
-                            <a:schemeClr val="tx1"/>
-                          </a:solidFill>
-                          <a:effectLst/>
-                          <a:highlight>
-                            <a:srgbClr val="FF0000"/>
-                          </a:highlight>
-                          <a:latin typeface="Calibri" panose="020F0502020204030204" pitchFamily="34" charset="0"/>
-                        </a:rPr>
-                        <a:t>sff</a:t>
-                      </a:r>
                       <a:endParaRPr lang="hu-HU" sz="2000" b="1" i="0" u="none" strike="noStrike" dirty="0">
                         <a:solidFill>
                           <a:schemeClr val="tx1"/>
@@ -6798,39 +6912,23 @@
                   </a:ext>
                 </a:extLst>
               </a:tr>
-              <a:tr h="276521">
+              <a:tr h="100910">
                 <a:tc>
                   <a:txBody>
                     <a:bodyPr/>
                     <a:lstStyle/>
                     <a:p>
                       <a:pPr algn="l" fontAlgn="b"/>
-                      <a:r>
-                        <a:rPr lang="hu-HU" sz="2000" b="1" i="0" u="none" strike="noStrike" dirty="0" err="1">
-                          <a:solidFill>
-                            <a:schemeClr val="tx1"/>
-                          </a:solidFill>
-                          <a:effectLst/>
-                          <a:highlight>
-                            <a:srgbClr val="FF0000"/>
-                          </a:highlight>
-                          <a:latin typeface="Calibri" panose="020F0502020204030204" pitchFamily="34" charset="0"/>
-                        </a:rPr>
-                        <a:t>cisco</a:t>
-                      </a:r>
-                      <a:r>
-                        <a:rPr lang="hu-HU" sz="2000" b="1" i="0" u="none" strike="noStrike" dirty="0">
-                          <a:solidFill>
-                            <a:schemeClr val="tx1"/>
-                          </a:solidFill>
-                          <a:effectLst/>
-                          <a:highlight>
-                            <a:srgbClr val="FF0000"/>
-                          </a:highlight>
-                          <a:latin typeface="Calibri" panose="020F0502020204030204" pitchFamily="34" charset="0"/>
-                        </a:rPr>
-                        <a:t> cbw140ac</a:t>
-                      </a:r>
+                      <a:endParaRPr lang="hu-HU" sz="2000" b="1" i="0" u="none" strike="noStrike" dirty="0">
+                        <a:solidFill>
+                          <a:schemeClr val="tx1"/>
+                        </a:solidFill>
+                        <a:effectLst/>
+                        <a:highlight>
+                          <a:srgbClr val="FF0000"/>
+                        </a:highlight>
+                        <a:latin typeface="Calibri" panose="020F0502020204030204" pitchFamily="34" charset="0"/>
+                      </a:endParaRPr>
                     </a:p>
                   </a:txBody>
                   <a:tcPr marL="7620" marR="7620" marT="7620" marB="0" anchor="b">
@@ -6878,78 +6976,13 @@
                   </a:ext>
                 </a:extLst>
               </a:tr>
-              <a:tr h="276521">
+              <a:tr h="100910">
                 <a:tc>
                   <a:txBody>
                     <a:bodyPr/>
                     <a:lstStyle/>
                     <a:p>
                       <a:pPr algn="l" fontAlgn="b"/>
-                      <a:r>
-                        <a:rPr lang="hu-HU" sz="2000" b="1" i="0" u="none" strike="noStrike" dirty="0" err="1">
-                          <a:solidFill>
-                            <a:schemeClr val="tx1"/>
-                          </a:solidFill>
-                          <a:effectLst/>
-                          <a:highlight>
-                            <a:srgbClr val="FF0000"/>
-                          </a:highlight>
-                          <a:latin typeface="Calibri" panose="020F0502020204030204" pitchFamily="34" charset="0"/>
-                        </a:rPr>
-                        <a:t>white</a:t>
-                      </a:r>
-                      <a:r>
-                        <a:rPr lang="hu-HU" sz="2000" b="1" i="0" u="none" strike="noStrike" dirty="0">
-                          <a:solidFill>
-                            <a:schemeClr val="tx1"/>
-                          </a:solidFill>
-                          <a:effectLst/>
-                          <a:highlight>
-                            <a:srgbClr val="FF0000"/>
-                          </a:highlight>
-                          <a:latin typeface="Calibri" panose="020F0502020204030204" pitchFamily="34" charset="0"/>
-                        </a:rPr>
-                        <a:t> </a:t>
-                      </a:r>
-                      <a:r>
-                        <a:rPr lang="hu-HU" sz="2000" b="1" i="0" u="none" strike="noStrike" dirty="0" err="1">
-                          <a:solidFill>
-                            <a:schemeClr val="tx1"/>
-                          </a:solidFill>
-                          <a:effectLst/>
-                          <a:highlight>
-                            <a:srgbClr val="FF0000"/>
-                          </a:highlight>
-                          <a:latin typeface="Calibri" panose="020F0502020204030204" pitchFamily="34" charset="0"/>
-                        </a:rPr>
-                        <a:t>shark</a:t>
-                      </a:r>
-                      <a:r>
-                        <a:rPr lang="hu-HU" sz="2000" b="1" i="0" u="none" strike="noStrike" dirty="0">
-                          <a:solidFill>
-                            <a:schemeClr val="tx1"/>
-                          </a:solidFill>
-                          <a:effectLst/>
-                          <a:highlight>
-                            <a:srgbClr val="FF0000"/>
-                          </a:highlight>
-                          <a:latin typeface="Calibri" panose="020F0502020204030204" pitchFamily="34" charset="0"/>
-                        </a:rPr>
-                        <a:t> </a:t>
-                      </a:r>
-                      <a:r>
-                        <a:rPr lang="hu-HU" sz="2000" b="1" i="0" u="none" strike="noStrike" dirty="0" err="1">
-                          <a:solidFill>
-                            <a:schemeClr val="tx1"/>
-                          </a:solidFill>
-                          <a:effectLst/>
-                          <a:highlight>
-                            <a:srgbClr val="FF0000"/>
-                          </a:highlight>
-                          <a:latin typeface="Calibri" panose="020F0502020204030204" pitchFamily="34" charset="0"/>
-                        </a:rPr>
-                        <a:t>cryus</a:t>
-                      </a:r>
                       <a:endParaRPr lang="hu-HU" sz="2000" b="1" i="0" u="none" strike="noStrike" dirty="0">
                         <a:solidFill>
                           <a:schemeClr val="tx1"/>
@@ -7007,104 +7040,13 @@
                   </a:ext>
                 </a:extLst>
               </a:tr>
-              <a:tr h="276521">
+              <a:tr h="100910">
                 <a:tc>
                   <a:txBody>
                     <a:bodyPr/>
                     <a:lstStyle/>
                     <a:p>
                       <a:pPr algn="l" fontAlgn="b"/>
-                      <a:r>
-                        <a:rPr lang="hu-HU" sz="2000" b="1" i="0" u="none" strike="noStrike" dirty="0" err="1">
-                          <a:solidFill>
-                            <a:schemeClr val="tx1"/>
-                          </a:solidFill>
-                          <a:effectLst/>
-                          <a:highlight>
-                            <a:srgbClr val="FF0000"/>
-                          </a:highlight>
-                          <a:latin typeface="Calibri" panose="020F0502020204030204" pitchFamily="34" charset="0"/>
-                        </a:rPr>
-                        <a:t>white</a:t>
-                      </a:r>
-                      <a:r>
-                        <a:rPr lang="hu-HU" sz="2000" b="1" i="0" u="none" strike="noStrike" dirty="0">
-                          <a:solidFill>
-                            <a:schemeClr val="tx1"/>
-                          </a:solidFill>
-                          <a:effectLst/>
-                          <a:highlight>
-                            <a:srgbClr val="FF0000"/>
-                          </a:highlight>
-                          <a:latin typeface="Calibri" panose="020F0502020204030204" pitchFamily="34" charset="0"/>
-                        </a:rPr>
-                        <a:t> </a:t>
-                      </a:r>
-                      <a:r>
-                        <a:rPr lang="hu-HU" sz="2000" b="1" i="0" u="none" strike="noStrike" dirty="0" err="1">
-                          <a:solidFill>
-                            <a:schemeClr val="tx1"/>
-                          </a:solidFill>
-                          <a:effectLst/>
-                          <a:highlight>
-                            <a:srgbClr val="FF0000"/>
-                          </a:highlight>
-                          <a:latin typeface="Calibri" panose="020F0502020204030204" pitchFamily="34" charset="0"/>
-                        </a:rPr>
-                        <a:t>shark</a:t>
-                      </a:r>
-                      <a:r>
-                        <a:rPr lang="hu-HU" sz="2000" b="1" i="0" u="none" strike="noStrike" dirty="0">
-                          <a:solidFill>
-                            <a:schemeClr val="tx1"/>
-                          </a:solidFill>
-                          <a:effectLst/>
-                          <a:highlight>
-                            <a:srgbClr val="FF0000"/>
-                          </a:highlight>
-                          <a:latin typeface="Calibri" panose="020F0502020204030204" pitchFamily="34" charset="0"/>
-                        </a:rPr>
-                        <a:t> </a:t>
-                      </a:r>
-                      <a:r>
-                        <a:rPr lang="hu-HU" sz="2000" b="1" i="0" u="none" strike="noStrike" dirty="0" err="1">
-                          <a:solidFill>
-                            <a:schemeClr val="tx1"/>
-                          </a:solidFill>
-                          <a:effectLst/>
-                          <a:highlight>
-                            <a:srgbClr val="FF0000"/>
-                          </a:highlight>
-                          <a:latin typeface="Calibri" panose="020F0502020204030204" pitchFamily="34" charset="0"/>
-                        </a:rPr>
-                        <a:t>commandos</a:t>
-                      </a:r>
-                      <a:r>
-                        <a:rPr lang="hu-HU" sz="2000" b="1" i="0" u="none" strike="noStrike" dirty="0">
-                          <a:solidFill>
-                            <a:schemeClr val="tx1"/>
-                          </a:solidFill>
-                          <a:effectLst/>
-                          <a:highlight>
-                            <a:srgbClr val="FF0000"/>
-                          </a:highlight>
-                          <a:latin typeface="Calibri" panose="020F0502020204030204" pitchFamily="34" charset="0"/>
-                        </a:rPr>
-                        <a:t> </a:t>
-                      </a:r>
-                      <a:r>
-                        <a:rPr lang="hu-HU" sz="2000" b="1" i="0" u="none" strike="noStrike" dirty="0" err="1">
-                          <a:solidFill>
-                            <a:schemeClr val="tx1"/>
-                          </a:solidFill>
-                          <a:effectLst/>
-                          <a:highlight>
-                            <a:srgbClr val="FF0000"/>
-                          </a:highlight>
-                          <a:latin typeface="Calibri" panose="020F0502020204030204" pitchFamily="34" charset="0"/>
-                        </a:rPr>
-                        <a:t>tkl</a:t>
-                      </a:r>
                       <a:endParaRPr lang="hu-HU" sz="2000" b="1" i="0" u="none" strike="noStrike" dirty="0">
                         <a:solidFill>
                           <a:schemeClr val="tx1"/>

--- a/Projekt.pptx
+++ b/Projekt.pptx
@@ -7665,7 +7665,55 @@
           <a:bodyPr/>
           <a:lstStyle/>
           <a:p>
-            <a:endParaRPr lang="hu-HU"/>
+            <a:pPr marL="0" indent="0">
+              <a:buNone/>
+            </a:pPr>
+            <a:endParaRPr lang="hu-HU" dirty="0"/>
+          </a:p>
+          <a:p>
+            <a:pPr marL="0" indent="0">
+              <a:buNone/>
+            </a:pPr>
+            <a:r>
+              <a:rPr lang="hu-HU" dirty="0" err="1"/>
+              <a:t>Vlan</a:t>
+            </a:r>
+            <a:r>
+              <a:rPr lang="hu-HU" dirty="0"/>
+              <a:t> – 10 :192.168.1.1 /24 – Tanuló</a:t>
+            </a:r>
+          </a:p>
+          <a:p>
+            <a:pPr marL="0" indent="0">
+              <a:buNone/>
+            </a:pPr>
+            <a:r>
+              <a:rPr lang="hu-HU" dirty="0" err="1"/>
+              <a:t>Vlan</a:t>
+            </a:r>
+            <a:r>
+              <a:rPr lang="hu-HU" dirty="0"/>
+              <a:t> – 20 :192.168.2.1 /24 – Tanár</a:t>
+            </a:r>
+          </a:p>
+          <a:p>
+            <a:pPr marL="0" indent="0">
+              <a:buNone/>
+            </a:pPr>
+            <a:r>
+              <a:rPr lang="hu-HU" dirty="0" err="1"/>
+              <a:t>Vlan</a:t>
+            </a:r>
+            <a:r>
+              <a:rPr lang="hu-HU" dirty="0"/>
+              <a:t> – 30 :192.168.3.1 /24 – Igazgató</a:t>
+            </a:r>
+          </a:p>
+          <a:p>
+            <a:pPr marL="0" indent="0">
+              <a:buNone/>
+            </a:pPr>
+            <a:endParaRPr lang="hu-HU" dirty="0"/>
           </a:p>
         </p:txBody>
       </p:sp>
